--- a/宣道詩/(宣道詩149) 主必快來.pptx
+++ b/宣道詩/(宣道詩149) 主必快來.pptx
@@ -5,20 +5,29 @@
     <p:sldMasterId id="2147483660" r:id="rId1"/>
   </p:sldMasterIdLst>
   <p:notesMasterIdLst>
-    <p:notesMasterId r:id="rId10"/>
+    <p:notesMasterId r:id="rId19"/>
   </p:notesMasterIdLst>
   <p:handoutMasterIdLst>
-    <p:handoutMasterId r:id="rId11"/>
+    <p:handoutMasterId r:id="rId20"/>
   </p:handoutMasterIdLst>
   <p:sldIdLst>
-    <p:sldId id="1497" r:id="rId2"/>
-    <p:sldId id="1498" r:id="rId3"/>
-    <p:sldId id="1499" r:id="rId4"/>
-    <p:sldId id="1500" r:id="rId5"/>
-    <p:sldId id="1501" r:id="rId6"/>
-    <p:sldId id="1502" r:id="rId7"/>
-    <p:sldId id="1503" r:id="rId8"/>
-    <p:sldId id="1504" r:id="rId9"/>
+    <p:sldId id="1505" r:id="rId2"/>
+    <p:sldId id="1506" r:id="rId3"/>
+    <p:sldId id="1507" r:id="rId4"/>
+    <p:sldId id="1508" r:id="rId5"/>
+    <p:sldId id="1509" r:id="rId6"/>
+    <p:sldId id="1510" r:id="rId7"/>
+    <p:sldId id="1511" r:id="rId8"/>
+    <p:sldId id="1512" r:id="rId9"/>
+    <p:sldId id="1513" r:id="rId10"/>
+    <p:sldId id="1514" r:id="rId11"/>
+    <p:sldId id="1515" r:id="rId12"/>
+    <p:sldId id="1516" r:id="rId13"/>
+    <p:sldId id="1517" r:id="rId14"/>
+    <p:sldId id="1518" r:id="rId15"/>
+    <p:sldId id="1519" r:id="rId16"/>
+    <p:sldId id="1520" r:id="rId17"/>
+    <p:sldId id="1521" r:id="rId18"/>
   </p:sldIdLst>
   <p:sldSz cx="12192000" cy="6858000"/>
   <p:notesSz cx="6858000" cy="9144000"/>
@@ -3724,180 +3733,1065 @@
       </p:grpSpPr>
       <p:sp>
         <p:nvSpPr>
-          <p:cNvPr id="4" name="Title 3"/>
+          <p:cNvPr id="4" name="標題 3"/>
           <p:cNvSpPr>
             <a:spLocks noGrp="1"/>
           </p:cNvSpPr>
           <p:nvPr>
             <p:ph type="title"/>
           </p:nvPr>
-        </p:nvSpPr>
-        <p:spPr/>
-        <p:txBody>
-          <a:bodyPr>
-            <a:normAutofit/>
-          </a:bodyPr>
-          <a:lstStyle/>
-          <a:p>
-            <a:r>
-              <a:rPr lang="en-US" altLang="zh-CN" sz="4800" b="1" dirty="0">
-                <a:solidFill>
-                  <a:srgbClr val="002060"/>
-                </a:solidFill>
-                <a:latin typeface="Microsoft JhengHei" panose="020B0604030504040204" pitchFamily="34" charset="-120"/>
-                <a:ea typeface="Microsoft JhengHei" panose="020B0604030504040204" pitchFamily="34" charset="-120"/>
-              </a:rPr>
-              <a:t>【</a:t>
-            </a:r>
-            <a:r>
-              <a:rPr lang="zh-CN" altLang="en-US" sz="4800" b="1" dirty="0">
-                <a:solidFill>
-                  <a:srgbClr val="002060"/>
-                </a:solidFill>
-                <a:latin typeface="Microsoft JhengHei" panose="020B0604030504040204" pitchFamily="34" charset="-120"/>
-                <a:ea typeface="Microsoft JhengHei" panose="020B0604030504040204" pitchFamily="34" charset="-120"/>
-              </a:rPr>
-              <a:t>主必快來</a:t>
-            </a:r>
-            <a:r>
-              <a:rPr lang="en-US" altLang="zh-CN" sz="4800" b="1" dirty="0">
-                <a:solidFill>
-                  <a:srgbClr val="002060"/>
-                </a:solidFill>
-                <a:latin typeface="Microsoft JhengHei" panose="020B0604030504040204" pitchFamily="34" charset="-120"/>
-                <a:ea typeface="Microsoft JhengHei" panose="020B0604030504040204" pitchFamily="34" charset="-120"/>
-              </a:rPr>
-              <a:t>】</a:t>
-            </a:r>
-          </a:p>
-        </p:txBody>
-      </p:sp>
-      <p:sp>
-        <p:nvSpPr>
-          <p:cNvPr id="5" name="Content Placeholder 4"/>
-          <p:cNvSpPr>
-            <a:spLocks noGrp="1"/>
-          </p:cNvSpPr>
-          <p:nvPr>
-            <p:ph idx="1"/>
-          </p:nvPr>
-        </p:nvSpPr>
-        <p:spPr/>
-        <p:txBody>
-          <a:bodyPr>
-            <a:normAutofit/>
-          </a:bodyPr>
-          <a:lstStyle/>
-          <a:p>
-            <a:pPr marL="0" indent="0" algn="ctr">
-              <a:buNone/>
-            </a:pPr>
-            <a:r>
-              <a:rPr lang="zh-TW" altLang="en-US" sz="5400" b="1" dirty="0">
-                <a:solidFill>
-                  <a:srgbClr val="002060"/>
-                </a:solidFill>
-                <a:latin typeface="Microsoft JhengHei" panose="020B0604030504040204" pitchFamily="34" charset="-120"/>
-                <a:ea typeface="Microsoft JhengHei" panose="020B0604030504040204" pitchFamily="34" charset="-120"/>
-              </a:rPr>
-              <a:t>黑夜已深白晝將近</a:t>
-            </a:r>
-          </a:p>
-          <a:p>
-            <a:pPr marL="0" indent="0" algn="ctr">
-              <a:buNone/>
-            </a:pPr>
-            <a:r>
-              <a:rPr lang="zh-TW" altLang="en-US" sz="5400" b="1" dirty="0">
-                <a:solidFill>
-                  <a:srgbClr val="002060"/>
-                </a:solidFill>
-                <a:latin typeface="Microsoft JhengHei" panose="020B0604030504040204" pitchFamily="34" charset="-120"/>
-                <a:ea typeface="Microsoft JhengHei" panose="020B0604030504040204" pitchFamily="34" charset="-120"/>
-              </a:rPr>
-              <a:t>榮耀盼望給我永福</a:t>
-            </a:r>
-          </a:p>
-          <a:p>
-            <a:pPr marL="0" indent="0" algn="ctr">
-              <a:buNone/>
-            </a:pPr>
-            <a:r>
-              <a:rPr lang="zh-TW" altLang="en-US" sz="5400" b="1" dirty="0">
-                <a:solidFill>
-                  <a:srgbClr val="002060"/>
-                </a:solidFill>
-                <a:latin typeface="Microsoft JhengHei" panose="020B0604030504040204" pitchFamily="34" charset="-120"/>
-                <a:ea typeface="Microsoft JhengHei" panose="020B0604030504040204" pitchFamily="34" charset="-120"/>
-              </a:rPr>
-              <a:t>奇妙真理快樂信息</a:t>
-            </a:r>
-          </a:p>
-          <a:p>
-            <a:pPr marL="0" indent="0" algn="ctr">
-              <a:buNone/>
-            </a:pPr>
-            <a:r>
-              <a:rPr lang="zh-TW" altLang="en-US" sz="5400" b="1" dirty="0">
-                <a:solidFill>
-                  <a:srgbClr val="002060"/>
-                </a:solidFill>
-                <a:latin typeface="Microsoft JhengHei" panose="020B0604030504040204" pitchFamily="34" charset="-120"/>
-                <a:ea typeface="Microsoft JhengHei" panose="020B0604030504040204" pitchFamily="34" charset="-120"/>
-              </a:rPr>
-              <a:t>主為萬王之王萬主之主</a:t>
-            </a:r>
-          </a:p>
-        </p:txBody>
-      </p:sp>
-      <p:sp>
-        <p:nvSpPr>
-          <p:cNvPr id="6" name="Text Box 1"/>
-          <p:cNvSpPr txBox="1"/>
-          <p:nvPr/>
         </p:nvSpPr>
         <p:spPr>
           <a:xfrm>
-            <a:off x="1199456" y="1700808"/>
-            <a:ext cx="1380490" cy="923330"/>
+            <a:off x="0" y="2660915"/>
+            <a:ext cx="12192000" cy="1143000"/>
           </a:xfrm>
-          <a:prstGeom prst="rect">
-            <a:avLst/>
-          </a:prstGeom>
-          <a:noFill/>
-          <a:ln w="9525">
-            <a:noFill/>
-            <a:miter lim="800000"/>
-          </a:ln>
         </p:spPr>
         <p:txBody>
-          <a:bodyPr wrap="square">
-            <a:spAutoFit/>
+          <a:bodyPr>
+            <a:noAutofit/>
           </a:bodyPr>
           <a:lstStyle/>
           <a:p>
-            <a:pPr algn="ctr"/>
-            <a:r>
-              <a:rPr lang="en-US" sz="5400" b="1" dirty="0">
-                <a:solidFill>
-                  <a:srgbClr val="002060"/>
-                </a:solidFill>
+            <a:r>
+              <a:rPr lang="zh-CN" altLang="en-US" sz="5333" b="1" u="sng" dirty="0">
+                <a:solidFill>
+                  <a:srgbClr val="000066"/>
+                </a:solidFill>
+                <a:effectLst>
+                  <a:outerShdw blurRad="38100" dist="38100" dir="2700000" algn="tl">
+                    <a:srgbClr val="000000">
+                      <a:alpha val="43137"/>
+                    </a:srgbClr>
+                  </a:outerShdw>
+                </a:effectLst>
+                <a:latin typeface="微軟正黑體" pitchFamily="34" charset="-120"/>
+                <a:ea typeface="微軟正黑體" pitchFamily="34" charset="-120"/>
               </a:rPr>
-              <a:t>1.</a:t>
-            </a:r>
+              <a:t>宣道詩 </a:t>
+            </a:r>
+            <a:r>
+              <a:rPr lang="en-US" altLang="zh-CN" sz="5333" b="1" u="sng" dirty="0">
+                <a:solidFill>
+                  <a:srgbClr val="000066"/>
+                </a:solidFill>
+                <a:effectLst>
+                  <a:outerShdw blurRad="38100" dist="38100" dir="2700000" algn="tl">
+                    <a:srgbClr val="000000">
+                      <a:alpha val="43137"/>
+                    </a:srgbClr>
+                  </a:outerShdw>
+                </a:effectLst>
+                <a:latin typeface="微軟正黑體" pitchFamily="34" charset="-120"/>
+                <a:ea typeface="微軟正黑體" pitchFamily="34" charset="-120"/>
+              </a:rPr>
+              <a:t>149</a:t>
+            </a:r>
+            <a:r>
+              <a:rPr lang="en-US" altLang="zh-CN" sz="7200" b="1" i="1" dirty="0">
+                <a:solidFill>
+                  <a:srgbClr val="660033"/>
+                </a:solidFill>
+                <a:effectLst>
+                  <a:outerShdw blurRad="38100" dist="38100" dir="2700000" algn="tl">
+                    <a:srgbClr val="000000">
+                      <a:alpha val="43137"/>
+                    </a:srgbClr>
+                  </a:outerShdw>
+                </a:effectLst>
+                <a:latin typeface="微軟正黑體" pitchFamily="34" charset="-120"/>
+                <a:ea typeface="微軟正黑體" pitchFamily="34" charset="-120"/>
+              </a:rPr>
+              <a:t/>
+            </a:r>
+            <a:br>
+              <a:rPr lang="en-US" altLang="zh-CN" sz="7200" b="1" i="1" dirty="0">
+                <a:solidFill>
+                  <a:srgbClr val="660033"/>
+                </a:solidFill>
+                <a:effectLst>
+                  <a:outerShdw blurRad="38100" dist="38100" dir="2700000" algn="tl">
+                    <a:srgbClr val="000000">
+                      <a:alpha val="43137"/>
+                    </a:srgbClr>
+                  </a:outerShdw>
+                </a:effectLst>
+                <a:latin typeface="微軟正黑體" pitchFamily="34" charset="-120"/>
+                <a:ea typeface="微軟正黑體" pitchFamily="34" charset="-120"/>
+              </a:rPr>
+            </a:br>
+            <a:r>
+              <a:rPr lang="zh-CN" altLang="en-US" sz="8000" b="1" dirty="0">
+                <a:solidFill>
+                  <a:srgbClr val="660033"/>
+                </a:solidFill>
+                <a:effectLst>
+                  <a:outerShdw blurRad="38100" dist="38100" dir="2700000" algn="tl">
+                    <a:srgbClr val="000000">
+                      <a:alpha val="43137"/>
+                    </a:srgbClr>
+                  </a:outerShdw>
+                </a:effectLst>
+                <a:latin typeface="微軟正黑體" pitchFamily="34" charset="-120"/>
+                <a:ea typeface="微軟正黑體" pitchFamily="34" charset="-120"/>
+              </a:rPr>
+              <a:t>主</a:t>
+            </a:r>
+            <a:r>
+              <a:rPr lang="zh-CN" altLang="en-US" sz="8000" b="1" dirty="0">
+                <a:solidFill>
+                  <a:srgbClr val="660033"/>
+                </a:solidFill>
+                <a:effectLst>
+                  <a:outerShdw blurRad="38100" dist="38100" dir="2700000" algn="tl">
+                    <a:srgbClr val="000000">
+                      <a:alpha val="43137"/>
+                    </a:srgbClr>
+                  </a:outerShdw>
+                </a:effectLst>
+                <a:latin typeface="微軟正黑體" pitchFamily="34" charset="-120"/>
+                <a:ea typeface="微軟正黑體" pitchFamily="34" charset="-120"/>
+              </a:rPr>
+              <a:t>必快來</a:t>
+            </a:r>
+            <a:endParaRPr lang="zh-TW" altLang="en-US" sz="8000" b="1" dirty="0">
+              <a:solidFill>
+                <a:srgbClr val="660033"/>
+              </a:solidFill>
+              <a:effectLst>
+                <a:outerShdw blurRad="38100" dist="38100" dir="2700000" algn="tl">
+                  <a:srgbClr val="000000">
+                    <a:alpha val="43137"/>
+                  </a:srgbClr>
+                </a:outerShdw>
+              </a:effectLst>
+              <a:latin typeface="微軟正黑體" pitchFamily="34" charset="-120"/>
+              <a:ea typeface="微軟正黑體" pitchFamily="34" charset="-120"/>
+            </a:endParaRPr>
           </a:p>
         </p:txBody>
       </p:sp>
     </p:spTree>
     <p:extLst>
       <p:ext uri="{BB962C8B-B14F-4D97-AF65-F5344CB8AC3E}">
-        <p14:creationId xmlns:p14="http://schemas.microsoft.com/office/powerpoint/2010/main" val="3815401470"/>
+        <p14:creationId xmlns:p14="http://schemas.microsoft.com/office/powerpoint/2010/main" val="2238653005"/>
       </p:ext>
     </p:extLst>
   </p:cSld>
   <p:clrMapOvr>
     <a:masterClrMapping/>
   </p:clrMapOvr>
+  <p:timing>
+    <p:tnLst>
+      <p:par>
+        <p:cTn id="1" dur="indefinite" restart="never" nodeType="tmRoot"/>
+      </p:par>
+    </p:tnLst>
+  </p:timing>
+</p:sld>
+</file>
+
+<file path=ppt/slides/slide10.xml><?xml version="1.0" encoding="utf-8"?>
+<p:sld xmlns:a="http://schemas.openxmlformats.org/drawingml/2006/main" xmlns:r="http://schemas.openxmlformats.org/officeDocument/2006/relationships" xmlns:p="http://schemas.openxmlformats.org/presentationml/2006/main">
+  <p:cSld>
+    <p:spTree>
+      <p:nvGrpSpPr>
+        <p:cNvPr id="1" name=""/>
+        <p:cNvGrpSpPr/>
+        <p:nvPr/>
+      </p:nvGrpSpPr>
+      <p:grpSpPr>
+        <a:xfrm>
+          <a:off x="0" y="0"/>
+          <a:ext cx="0" cy="0"/>
+          <a:chOff x="0" y="0"/>
+          <a:chExt cx="0" cy="0"/>
+        </a:xfrm>
+      </p:grpSpPr>
+      <p:sp>
+        <p:nvSpPr>
+          <p:cNvPr id="5" name="內容版面配置區 4"/>
+          <p:cNvSpPr>
+            <a:spLocks noGrp="1"/>
+          </p:cNvSpPr>
+          <p:nvPr>
+            <p:ph idx="1"/>
+          </p:nvPr>
+        </p:nvSpPr>
+        <p:spPr>
+          <a:xfrm>
+            <a:off x="0" y="2084853"/>
+            <a:ext cx="12192000" cy="2404863"/>
+          </a:xfrm>
+        </p:spPr>
+        <p:txBody>
+          <a:bodyPr anchor="ctr">
+            <a:normAutofit/>
+          </a:bodyPr>
+          <a:lstStyle/>
+          <a:p>
+            <a:pPr marL="0" indent="0" algn="ctr">
+              <a:buNone/>
+            </a:pPr>
+            <a:r>
+              <a:rPr lang="zh-TW" altLang="en-US" sz="6400" b="1" dirty="0">
+                <a:solidFill>
+                  <a:srgbClr val="660033"/>
+                </a:solidFill>
+                <a:latin typeface="Microsoft JhengHei" panose="020B0604030504040204" pitchFamily="34" charset="-120"/>
+                <a:ea typeface="Microsoft JhengHei" panose="020B0604030504040204" pitchFamily="34" charset="-120"/>
+              </a:rPr>
+              <a:t>許多信徒主內安睡</a:t>
+            </a:r>
+          </a:p>
+          <a:p>
+            <a:pPr marL="0" indent="0" algn="ctr">
+              <a:buNone/>
+            </a:pPr>
+            <a:r>
+              <a:rPr lang="zh-TW" altLang="en-US" sz="6400" b="1" dirty="0">
+                <a:solidFill>
+                  <a:srgbClr val="660033"/>
+                </a:solidFill>
+                <a:latin typeface="Microsoft JhengHei" panose="020B0604030504040204" pitchFamily="34" charset="-120"/>
+                <a:ea typeface="Microsoft JhengHei" panose="020B0604030504040204" pitchFamily="34" charset="-120"/>
+              </a:rPr>
+              <a:t>主再來時都要復活</a:t>
+            </a:r>
+            <a:endParaRPr lang="zh-TW" altLang="en-US" sz="6400" b="1" dirty="0">
+              <a:solidFill>
+                <a:srgbClr val="660033"/>
+              </a:solidFill>
+              <a:latin typeface="Microsoft JhengHei" panose="020B0604030504040204" pitchFamily="34" charset="-120"/>
+              <a:ea typeface="Microsoft JhengHei" panose="020B0604030504040204" pitchFamily="34" charset="-120"/>
+            </a:endParaRPr>
+          </a:p>
+        </p:txBody>
+      </p:sp>
+      <p:sp>
+        <p:nvSpPr>
+          <p:cNvPr id="3" name="TextBox 2"/>
+          <p:cNvSpPr txBox="1"/>
+          <p:nvPr/>
+        </p:nvSpPr>
+        <p:spPr>
+          <a:xfrm>
+            <a:off x="0" y="5071885"/>
+            <a:ext cx="12192000" cy="923330"/>
+          </a:xfrm>
+          <a:prstGeom prst="rect">
+            <a:avLst/>
+          </a:prstGeom>
+          <a:noFill/>
+        </p:spPr>
+        <p:txBody>
+          <a:bodyPr wrap="square" rtlCol="0">
+            <a:spAutoFit/>
+          </a:bodyPr>
+          <a:lstStyle/>
+          <a:p>
+            <a:pPr algn="ctr"/>
+            <a:r>
+              <a:rPr lang="en-US" sz="5400" b="1" dirty="0">
+                <a:solidFill>
+                  <a:srgbClr val="660033"/>
+                </a:solidFill>
+              </a:rPr>
+              <a:t>( 3 )</a:t>
+            </a:r>
+            <a:endParaRPr lang="vi-VN" sz="5400" b="1" dirty="0">
+              <a:solidFill>
+                <a:srgbClr val="660033"/>
+              </a:solidFill>
+            </a:endParaRPr>
+          </a:p>
+        </p:txBody>
+      </p:sp>
+    </p:spTree>
+    <p:extLst>
+      <p:ext uri="{BB962C8B-B14F-4D97-AF65-F5344CB8AC3E}">
+        <p14:creationId xmlns:p14="http://schemas.microsoft.com/office/powerpoint/2010/main" val="995162139"/>
+      </p:ext>
+    </p:extLst>
+  </p:cSld>
+  <p:clrMapOvr>
+    <a:masterClrMapping/>
+  </p:clrMapOvr>
+  <p:timing>
+    <p:tnLst>
+      <p:par>
+        <p:cTn id="1" dur="indefinite" restart="never" nodeType="tmRoot"/>
+      </p:par>
+    </p:tnLst>
+  </p:timing>
+</p:sld>
+</file>
+
+<file path=ppt/slides/slide11.xml><?xml version="1.0" encoding="utf-8"?>
+<p:sld xmlns:a="http://schemas.openxmlformats.org/drawingml/2006/main" xmlns:r="http://schemas.openxmlformats.org/officeDocument/2006/relationships" xmlns:p="http://schemas.openxmlformats.org/presentationml/2006/main">
+  <p:cSld>
+    <p:spTree>
+      <p:nvGrpSpPr>
+        <p:cNvPr id="1" name=""/>
+        <p:cNvGrpSpPr/>
+        <p:nvPr/>
+      </p:nvGrpSpPr>
+      <p:grpSpPr>
+        <a:xfrm>
+          <a:off x="0" y="0"/>
+          <a:ext cx="0" cy="0"/>
+          <a:chOff x="0" y="0"/>
+          <a:chExt cx="0" cy="0"/>
+        </a:xfrm>
+      </p:grpSpPr>
+      <p:sp>
+        <p:nvSpPr>
+          <p:cNvPr id="5" name="內容版面配置區 4"/>
+          <p:cNvSpPr>
+            <a:spLocks noGrp="1"/>
+          </p:cNvSpPr>
+          <p:nvPr>
+            <p:ph idx="1"/>
+          </p:nvPr>
+        </p:nvSpPr>
+        <p:spPr>
+          <a:xfrm>
+            <a:off x="0" y="2084853"/>
+            <a:ext cx="12192000" cy="2404863"/>
+          </a:xfrm>
+        </p:spPr>
+        <p:txBody>
+          <a:bodyPr anchor="ctr">
+            <a:normAutofit/>
+          </a:bodyPr>
+          <a:lstStyle/>
+          <a:p>
+            <a:pPr marL="0" indent="0" algn="ctr">
+              <a:buNone/>
+            </a:pPr>
+            <a:r>
+              <a:rPr lang="zh-TW" altLang="en-US" sz="6400" b="1" dirty="0">
+                <a:solidFill>
+                  <a:srgbClr val="660033"/>
+                </a:solidFill>
+                <a:latin typeface="Microsoft JhengHei" panose="020B0604030504040204" pitchFamily="34" charset="-120"/>
+                <a:ea typeface="Microsoft JhengHei" panose="020B0604030504040204" pitchFamily="34" charset="-120"/>
+              </a:rPr>
+              <a:t>彼時天上金門大開</a:t>
+            </a:r>
+          </a:p>
+          <a:p>
+            <a:pPr marL="0" indent="0" algn="ctr">
+              <a:buNone/>
+            </a:pPr>
+            <a:r>
+              <a:rPr lang="zh-TW" altLang="en-US" sz="6400" b="1" dirty="0">
+                <a:solidFill>
+                  <a:srgbClr val="660033"/>
+                </a:solidFill>
+                <a:latin typeface="Microsoft JhengHei" panose="020B0604030504040204" pitchFamily="34" charset="-120"/>
+                <a:ea typeface="Microsoft JhengHei" panose="020B0604030504040204" pitchFamily="34" charset="-120"/>
+              </a:rPr>
+              <a:t>主必來親設立快樂之國</a:t>
+            </a:r>
+            <a:endParaRPr lang="zh-TW" altLang="en-US" sz="6400" b="1" dirty="0">
+              <a:solidFill>
+                <a:srgbClr val="660033"/>
+              </a:solidFill>
+              <a:latin typeface="Microsoft JhengHei" panose="020B0604030504040204" pitchFamily="34" charset="-120"/>
+              <a:ea typeface="Microsoft JhengHei" panose="020B0604030504040204" pitchFamily="34" charset="-120"/>
+            </a:endParaRPr>
+          </a:p>
+        </p:txBody>
+      </p:sp>
+      <p:sp>
+        <p:nvSpPr>
+          <p:cNvPr id="3" name="TextBox 2"/>
+          <p:cNvSpPr txBox="1"/>
+          <p:nvPr/>
+        </p:nvSpPr>
+        <p:spPr>
+          <a:xfrm>
+            <a:off x="0" y="5071885"/>
+            <a:ext cx="12192000" cy="923330"/>
+          </a:xfrm>
+          <a:prstGeom prst="rect">
+            <a:avLst/>
+          </a:prstGeom>
+          <a:noFill/>
+        </p:spPr>
+        <p:txBody>
+          <a:bodyPr wrap="square" rtlCol="0">
+            <a:spAutoFit/>
+          </a:bodyPr>
+          <a:lstStyle/>
+          <a:p>
+            <a:pPr algn="ctr"/>
+            <a:r>
+              <a:rPr lang="en-US" sz="5400" b="1" dirty="0">
+                <a:solidFill>
+                  <a:srgbClr val="660033"/>
+                </a:solidFill>
+              </a:rPr>
+              <a:t>( 3 )</a:t>
+            </a:r>
+            <a:endParaRPr lang="vi-VN" sz="5400" b="1" dirty="0">
+              <a:solidFill>
+                <a:srgbClr val="660033"/>
+              </a:solidFill>
+            </a:endParaRPr>
+          </a:p>
+        </p:txBody>
+      </p:sp>
+    </p:spTree>
+    <p:extLst>
+      <p:ext uri="{BB962C8B-B14F-4D97-AF65-F5344CB8AC3E}">
+        <p14:creationId xmlns:p14="http://schemas.microsoft.com/office/powerpoint/2010/main" val="4185979461"/>
+      </p:ext>
+    </p:extLst>
+  </p:cSld>
+  <p:clrMapOvr>
+    <a:masterClrMapping/>
+  </p:clrMapOvr>
+  <p:timing>
+    <p:tnLst>
+      <p:par>
+        <p:cTn id="1" dur="indefinite" restart="never" nodeType="tmRoot"/>
+      </p:par>
+    </p:tnLst>
+  </p:timing>
+</p:sld>
+</file>
+
+<file path=ppt/slides/slide12.xml><?xml version="1.0" encoding="utf-8"?>
+<p:sld xmlns:a="http://schemas.openxmlformats.org/drawingml/2006/main" xmlns:r="http://schemas.openxmlformats.org/officeDocument/2006/relationships" xmlns:p="http://schemas.openxmlformats.org/presentationml/2006/main">
+  <p:cSld>
+    <p:spTree>
+      <p:nvGrpSpPr>
+        <p:cNvPr id="1" name=""/>
+        <p:cNvGrpSpPr/>
+        <p:nvPr/>
+      </p:nvGrpSpPr>
+      <p:grpSpPr>
+        <a:xfrm>
+          <a:off x="0" y="0"/>
+          <a:ext cx="0" cy="0"/>
+          <a:chOff x="0" y="0"/>
+          <a:chExt cx="0" cy="0"/>
+        </a:xfrm>
+      </p:grpSpPr>
+      <p:sp>
+        <p:nvSpPr>
+          <p:cNvPr id="5" name="內容版面配置區 4"/>
+          <p:cNvSpPr>
+            <a:spLocks noGrp="1"/>
+          </p:cNvSpPr>
+          <p:nvPr>
+            <p:ph idx="1"/>
+          </p:nvPr>
+        </p:nvSpPr>
+        <p:spPr>
+          <a:xfrm>
+            <a:off x="0" y="2084853"/>
+            <a:ext cx="12192000" cy="2404863"/>
+          </a:xfrm>
+        </p:spPr>
+        <p:txBody>
+          <a:bodyPr anchor="ctr">
+            <a:normAutofit/>
+          </a:bodyPr>
+          <a:lstStyle/>
+          <a:p>
+            <a:pPr marL="0" indent="0" algn="ctr">
+              <a:buNone/>
+            </a:pPr>
+            <a:r>
+              <a:rPr lang="zh-TW" altLang="en-US" sz="6400" b="1" dirty="0">
+                <a:solidFill>
+                  <a:srgbClr val="660033"/>
+                </a:solidFill>
+                <a:latin typeface="Microsoft JhengHei" panose="020B0604030504040204" pitchFamily="34" charset="-120"/>
+                <a:ea typeface="Microsoft JhengHei" panose="020B0604030504040204" pitchFamily="34" charset="-120"/>
+              </a:rPr>
+              <a:t>主必快來  主必快來</a:t>
+            </a:r>
+          </a:p>
+          <a:p>
+            <a:pPr marL="0" indent="0" algn="ctr">
+              <a:buNone/>
+            </a:pPr>
+            <a:r>
+              <a:rPr lang="zh-TW" altLang="en-US" sz="6400" b="1" dirty="0">
+                <a:solidFill>
+                  <a:srgbClr val="660033"/>
+                </a:solidFill>
+                <a:latin typeface="Microsoft JhengHei" panose="020B0604030504040204" pitchFamily="34" charset="-120"/>
+                <a:ea typeface="Microsoft JhengHei" panose="020B0604030504040204" pitchFamily="34" charset="-120"/>
+              </a:rPr>
+              <a:t>我們必歡迎救主再來</a:t>
+            </a:r>
+          </a:p>
+        </p:txBody>
+      </p:sp>
+    </p:spTree>
+    <p:extLst>
+      <p:ext uri="{BB962C8B-B14F-4D97-AF65-F5344CB8AC3E}">
+        <p14:creationId xmlns:p14="http://schemas.microsoft.com/office/powerpoint/2010/main" val="2043794868"/>
+      </p:ext>
+    </p:extLst>
+  </p:cSld>
+  <p:clrMapOvr>
+    <a:masterClrMapping/>
+  </p:clrMapOvr>
+  <p:timing>
+    <p:tnLst>
+      <p:par>
+        <p:cTn id="1" dur="indefinite" restart="never" nodeType="tmRoot"/>
+      </p:par>
+    </p:tnLst>
+  </p:timing>
+</p:sld>
+</file>
+
+<file path=ppt/slides/slide13.xml><?xml version="1.0" encoding="utf-8"?>
+<p:sld xmlns:a="http://schemas.openxmlformats.org/drawingml/2006/main" xmlns:r="http://schemas.openxmlformats.org/officeDocument/2006/relationships" xmlns:p="http://schemas.openxmlformats.org/presentationml/2006/main">
+  <p:cSld>
+    <p:spTree>
+      <p:nvGrpSpPr>
+        <p:cNvPr id="1" name=""/>
+        <p:cNvGrpSpPr/>
+        <p:nvPr/>
+      </p:nvGrpSpPr>
+      <p:grpSpPr>
+        <a:xfrm>
+          <a:off x="0" y="0"/>
+          <a:ext cx="0" cy="0"/>
+          <a:chOff x="0" y="0"/>
+          <a:chExt cx="0" cy="0"/>
+        </a:xfrm>
+      </p:grpSpPr>
+      <p:sp>
+        <p:nvSpPr>
+          <p:cNvPr id="5" name="內容版面配置區 4"/>
+          <p:cNvSpPr>
+            <a:spLocks noGrp="1"/>
+          </p:cNvSpPr>
+          <p:nvPr>
+            <p:ph idx="1"/>
+          </p:nvPr>
+        </p:nvSpPr>
+        <p:spPr>
+          <a:xfrm>
+            <a:off x="0" y="2084853"/>
+            <a:ext cx="12192000" cy="2404863"/>
+          </a:xfrm>
+        </p:spPr>
+        <p:txBody>
+          <a:bodyPr anchor="ctr">
+            <a:normAutofit/>
+          </a:bodyPr>
+          <a:lstStyle/>
+          <a:p>
+            <a:pPr marL="0" indent="0" algn="ctr">
+              <a:buNone/>
+            </a:pPr>
+            <a:r>
+              <a:rPr lang="zh-TW" altLang="en-US" sz="6400" b="1" dirty="0">
+                <a:solidFill>
+                  <a:srgbClr val="660033"/>
+                </a:solidFill>
+                <a:latin typeface="Microsoft JhengHei" panose="020B0604030504040204" pitchFamily="34" charset="-120"/>
+                <a:ea typeface="Microsoft JhengHei" panose="020B0604030504040204" pitchFamily="34" charset="-120"/>
+              </a:rPr>
+              <a:t>或在早晨或正午或夜半</a:t>
+            </a:r>
+          </a:p>
+          <a:p>
+            <a:pPr marL="0" indent="0" algn="ctr">
+              <a:buNone/>
+            </a:pPr>
+            <a:r>
+              <a:rPr lang="zh-TW" altLang="en-US" sz="6400" b="1" dirty="0">
+                <a:solidFill>
+                  <a:srgbClr val="660033"/>
+                </a:solidFill>
+                <a:latin typeface="Microsoft JhengHei" panose="020B0604030504040204" pitchFamily="34" charset="-120"/>
+                <a:ea typeface="Microsoft JhengHei" panose="020B0604030504040204" pitchFamily="34" charset="-120"/>
+              </a:rPr>
+              <a:t>我知主快再來</a:t>
+            </a:r>
+          </a:p>
+        </p:txBody>
+      </p:sp>
+    </p:spTree>
+    <p:extLst>
+      <p:ext uri="{BB962C8B-B14F-4D97-AF65-F5344CB8AC3E}">
+        <p14:creationId xmlns:p14="http://schemas.microsoft.com/office/powerpoint/2010/main" val="2990767341"/>
+      </p:ext>
+    </p:extLst>
+  </p:cSld>
+  <p:clrMapOvr>
+    <a:masterClrMapping/>
+  </p:clrMapOvr>
+  <p:timing>
+    <p:tnLst>
+      <p:par>
+        <p:cTn id="1" dur="indefinite" restart="never" nodeType="tmRoot"/>
+      </p:par>
+    </p:tnLst>
+  </p:timing>
+</p:sld>
+</file>
+
+<file path=ppt/slides/slide14.xml><?xml version="1.0" encoding="utf-8"?>
+<p:sld xmlns:a="http://schemas.openxmlformats.org/drawingml/2006/main" xmlns:r="http://schemas.openxmlformats.org/officeDocument/2006/relationships" xmlns:p="http://schemas.openxmlformats.org/presentationml/2006/main">
+  <p:cSld>
+    <p:spTree>
+      <p:nvGrpSpPr>
+        <p:cNvPr id="1" name=""/>
+        <p:cNvGrpSpPr/>
+        <p:nvPr/>
+      </p:nvGrpSpPr>
+      <p:grpSpPr>
+        <a:xfrm>
+          <a:off x="0" y="0"/>
+          <a:ext cx="0" cy="0"/>
+          <a:chOff x="0" y="0"/>
+          <a:chExt cx="0" cy="0"/>
+        </a:xfrm>
+      </p:grpSpPr>
+      <p:sp>
+        <p:nvSpPr>
+          <p:cNvPr id="5" name="內容版面配置區 4"/>
+          <p:cNvSpPr>
+            <a:spLocks noGrp="1"/>
+          </p:cNvSpPr>
+          <p:nvPr>
+            <p:ph idx="1"/>
+          </p:nvPr>
+        </p:nvSpPr>
+        <p:spPr>
+          <a:xfrm>
+            <a:off x="0" y="2084853"/>
+            <a:ext cx="12192000" cy="2404863"/>
+          </a:xfrm>
+        </p:spPr>
+        <p:txBody>
+          <a:bodyPr anchor="ctr">
+            <a:normAutofit/>
+          </a:bodyPr>
+          <a:lstStyle/>
+          <a:p>
+            <a:pPr marL="0" indent="0" algn="ctr">
+              <a:buNone/>
+            </a:pPr>
+            <a:r>
+              <a:rPr lang="zh-TW" altLang="en-US" sz="6400" b="1" dirty="0">
+                <a:solidFill>
+                  <a:srgbClr val="660033"/>
+                </a:solidFill>
+                <a:latin typeface="Microsoft JhengHei" panose="020B0604030504040204" pitchFamily="34" charset="-120"/>
+                <a:ea typeface="Microsoft JhengHei" panose="020B0604030504040204" pitchFamily="34" charset="-120"/>
+              </a:rPr>
+              <a:t>我等活著存留信徒</a:t>
+            </a:r>
+          </a:p>
+          <a:p>
+            <a:pPr marL="0" indent="0" algn="ctr">
+              <a:buNone/>
+            </a:pPr>
+            <a:r>
+              <a:rPr lang="zh-TW" altLang="en-US" sz="6400" b="1" dirty="0">
+                <a:solidFill>
+                  <a:srgbClr val="660033"/>
+                </a:solidFill>
+                <a:latin typeface="Microsoft JhengHei" panose="020B0604030504040204" pitchFamily="34" charset="-120"/>
+                <a:ea typeface="Microsoft JhengHei" panose="020B0604030504040204" pitchFamily="34" charset="-120"/>
+              </a:rPr>
+              <a:t>眨眼之間身體改變</a:t>
+            </a:r>
+            <a:endParaRPr lang="zh-TW" altLang="en-US" sz="6400" b="1" dirty="0">
+              <a:solidFill>
+                <a:srgbClr val="660033"/>
+              </a:solidFill>
+              <a:latin typeface="Microsoft JhengHei" panose="020B0604030504040204" pitchFamily="34" charset="-120"/>
+              <a:ea typeface="Microsoft JhengHei" panose="020B0604030504040204" pitchFamily="34" charset="-120"/>
+            </a:endParaRPr>
+          </a:p>
+        </p:txBody>
+      </p:sp>
+      <p:sp>
+        <p:nvSpPr>
+          <p:cNvPr id="3" name="TextBox 2"/>
+          <p:cNvSpPr txBox="1"/>
+          <p:nvPr/>
+        </p:nvSpPr>
+        <p:spPr>
+          <a:xfrm>
+            <a:off x="0" y="5071885"/>
+            <a:ext cx="12192000" cy="923330"/>
+          </a:xfrm>
+          <a:prstGeom prst="rect">
+            <a:avLst/>
+          </a:prstGeom>
+          <a:noFill/>
+        </p:spPr>
+        <p:txBody>
+          <a:bodyPr wrap="square" rtlCol="0">
+            <a:spAutoFit/>
+          </a:bodyPr>
+          <a:lstStyle/>
+          <a:p>
+            <a:pPr algn="ctr"/>
+            <a:r>
+              <a:rPr lang="en-US" sz="5400" b="1" dirty="0">
+                <a:solidFill>
+                  <a:srgbClr val="660033"/>
+                </a:solidFill>
+              </a:rPr>
+              <a:t>( 4 )</a:t>
+            </a:r>
+            <a:endParaRPr lang="vi-VN" sz="5400" b="1" dirty="0">
+              <a:solidFill>
+                <a:srgbClr val="660033"/>
+              </a:solidFill>
+            </a:endParaRPr>
+          </a:p>
+        </p:txBody>
+      </p:sp>
+    </p:spTree>
+    <p:extLst>
+      <p:ext uri="{BB962C8B-B14F-4D97-AF65-F5344CB8AC3E}">
+        <p14:creationId xmlns:p14="http://schemas.microsoft.com/office/powerpoint/2010/main" val="2556556734"/>
+      </p:ext>
+    </p:extLst>
+  </p:cSld>
+  <p:clrMapOvr>
+    <a:masterClrMapping/>
+  </p:clrMapOvr>
+  <p:timing>
+    <p:tnLst>
+      <p:par>
+        <p:cTn id="1" dur="indefinite" restart="never" nodeType="tmRoot"/>
+      </p:par>
+    </p:tnLst>
+  </p:timing>
+</p:sld>
+</file>
+
+<file path=ppt/slides/slide15.xml><?xml version="1.0" encoding="utf-8"?>
+<p:sld xmlns:a="http://schemas.openxmlformats.org/drawingml/2006/main" xmlns:r="http://schemas.openxmlformats.org/officeDocument/2006/relationships" xmlns:p="http://schemas.openxmlformats.org/presentationml/2006/main">
+  <p:cSld>
+    <p:spTree>
+      <p:nvGrpSpPr>
+        <p:cNvPr id="1" name=""/>
+        <p:cNvGrpSpPr/>
+        <p:nvPr/>
+      </p:nvGrpSpPr>
+      <p:grpSpPr>
+        <a:xfrm>
+          <a:off x="0" y="0"/>
+          <a:ext cx="0" cy="0"/>
+          <a:chOff x="0" y="0"/>
+          <a:chExt cx="0" cy="0"/>
+        </a:xfrm>
+      </p:grpSpPr>
+      <p:sp>
+        <p:nvSpPr>
+          <p:cNvPr id="5" name="內容版面配置區 4"/>
+          <p:cNvSpPr>
+            <a:spLocks noGrp="1"/>
+          </p:cNvSpPr>
+          <p:nvPr>
+            <p:ph idx="1"/>
+          </p:nvPr>
+        </p:nvSpPr>
+        <p:spPr>
+          <a:xfrm>
+            <a:off x="0" y="2084853"/>
+            <a:ext cx="12192000" cy="2404863"/>
+          </a:xfrm>
+        </p:spPr>
+        <p:txBody>
+          <a:bodyPr anchor="ctr">
+            <a:normAutofit/>
+          </a:bodyPr>
+          <a:lstStyle/>
+          <a:p>
+            <a:pPr marL="0" indent="0" algn="ctr">
+              <a:buNone/>
+            </a:pPr>
+            <a:r>
+              <a:rPr lang="zh-TW" altLang="en-US" sz="6400" b="1" dirty="0">
+                <a:solidFill>
+                  <a:srgbClr val="660033"/>
+                </a:solidFill>
+                <a:latin typeface="Microsoft JhengHei" panose="020B0604030504040204" pitchFamily="34" charset="-120"/>
+                <a:ea typeface="Microsoft JhengHei" panose="020B0604030504040204" pitchFamily="34" charset="-120"/>
+              </a:rPr>
+              <a:t>被提天空與主相見</a:t>
+            </a:r>
+          </a:p>
+          <a:p>
+            <a:pPr marL="0" indent="0" algn="ctr">
+              <a:buNone/>
+            </a:pPr>
+            <a:r>
+              <a:rPr lang="zh-TW" altLang="en-US" sz="6400" b="1" dirty="0">
+                <a:solidFill>
+                  <a:srgbClr val="660033"/>
+                </a:solidFill>
+                <a:latin typeface="Microsoft JhengHei" panose="020B0604030504040204" pitchFamily="34" charset="-120"/>
+                <a:ea typeface="Microsoft JhengHei" panose="020B0604030504040204" pitchFamily="34" charset="-120"/>
+              </a:rPr>
+              <a:t>我等用此盼望互相勸勉</a:t>
+            </a:r>
+            <a:endParaRPr lang="zh-TW" altLang="en-US" sz="6400" b="1" dirty="0">
+              <a:solidFill>
+                <a:srgbClr val="660033"/>
+              </a:solidFill>
+              <a:latin typeface="Microsoft JhengHei" panose="020B0604030504040204" pitchFamily="34" charset="-120"/>
+              <a:ea typeface="Microsoft JhengHei" panose="020B0604030504040204" pitchFamily="34" charset="-120"/>
+            </a:endParaRPr>
+          </a:p>
+        </p:txBody>
+      </p:sp>
+      <p:sp>
+        <p:nvSpPr>
+          <p:cNvPr id="3" name="TextBox 2"/>
+          <p:cNvSpPr txBox="1"/>
+          <p:nvPr/>
+        </p:nvSpPr>
+        <p:spPr>
+          <a:xfrm>
+            <a:off x="0" y="5071885"/>
+            <a:ext cx="12192000" cy="923330"/>
+          </a:xfrm>
+          <a:prstGeom prst="rect">
+            <a:avLst/>
+          </a:prstGeom>
+          <a:noFill/>
+        </p:spPr>
+        <p:txBody>
+          <a:bodyPr wrap="square" rtlCol="0">
+            <a:spAutoFit/>
+          </a:bodyPr>
+          <a:lstStyle/>
+          <a:p>
+            <a:pPr algn="ctr"/>
+            <a:r>
+              <a:rPr lang="en-US" sz="5400" b="1" dirty="0">
+                <a:solidFill>
+                  <a:srgbClr val="660033"/>
+                </a:solidFill>
+              </a:rPr>
+              <a:t>( 4 )</a:t>
+            </a:r>
+            <a:endParaRPr lang="vi-VN" sz="5400" b="1" dirty="0">
+              <a:solidFill>
+                <a:srgbClr val="660033"/>
+              </a:solidFill>
+            </a:endParaRPr>
+          </a:p>
+        </p:txBody>
+      </p:sp>
+    </p:spTree>
+    <p:extLst>
+      <p:ext uri="{BB962C8B-B14F-4D97-AF65-F5344CB8AC3E}">
+        <p14:creationId xmlns:p14="http://schemas.microsoft.com/office/powerpoint/2010/main" val="499481916"/>
+      </p:ext>
+    </p:extLst>
+  </p:cSld>
+  <p:clrMapOvr>
+    <a:masterClrMapping/>
+  </p:clrMapOvr>
+  <p:timing>
+    <p:tnLst>
+      <p:par>
+        <p:cTn id="1" dur="indefinite" restart="never" nodeType="tmRoot"/>
+      </p:par>
+    </p:tnLst>
+  </p:timing>
+</p:sld>
+</file>
+
+<file path=ppt/slides/slide16.xml><?xml version="1.0" encoding="utf-8"?>
+<p:sld xmlns:a="http://schemas.openxmlformats.org/drawingml/2006/main" xmlns:r="http://schemas.openxmlformats.org/officeDocument/2006/relationships" xmlns:p="http://schemas.openxmlformats.org/presentationml/2006/main">
+  <p:cSld>
+    <p:spTree>
+      <p:nvGrpSpPr>
+        <p:cNvPr id="1" name=""/>
+        <p:cNvGrpSpPr/>
+        <p:nvPr/>
+      </p:nvGrpSpPr>
+      <p:grpSpPr>
+        <a:xfrm>
+          <a:off x="0" y="0"/>
+          <a:ext cx="0" cy="0"/>
+          <a:chOff x="0" y="0"/>
+          <a:chExt cx="0" cy="0"/>
+        </a:xfrm>
+      </p:grpSpPr>
+      <p:sp>
+        <p:nvSpPr>
+          <p:cNvPr id="5" name="內容版面配置區 4"/>
+          <p:cNvSpPr>
+            <a:spLocks noGrp="1"/>
+          </p:cNvSpPr>
+          <p:nvPr>
+            <p:ph idx="1"/>
+          </p:nvPr>
+        </p:nvSpPr>
+        <p:spPr>
+          <a:xfrm>
+            <a:off x="0" y="2084853"/>
+            <a:ext cx="12192000" cy="2404863"/>
+          </a:xfrm>
+        </p:spPr>
+        <p:txBody>
+          <a:bodyPr anchor="ctr">
+            <a:normAutofit/>
+          </a:bodyPr>
+          <a:lstStyle/>
+          <a:p>
+            <a:pPr marL="0" indent="0" algn="ctr">
+              <a:buNone/>
+            </a:pPr>
+            <a:r>
+              <a:rPr lang="zh-TW" altLang="en-US" sz="6400" b="1" dirty="0">
+                <a:solidFill>
+                  <a:srgbClr val="660033"/>
+                </a:solidFill>
+                <a:latin typeface="Microsoft JhengHei" panose="020B0604030504040204" pitchFamily="34" charset="-120"/>
+                <a:ea typeface="Microsoft JhengHei" panose="020B0604030504040204" pitchFamily="34" charset="-120"/>
+              </a:rPr>
+              <a:t>主必快來  主必快來</a:t>
+            </a:r>
+          </a:p>
+          <a:p>
+            <a:pPr marL="0" indent="0" algn="ctr">
+              <a:buNone/>
+            </a:pPr>
+            <a:r>
+              <a:rPr lang="zh-TW" altLang="en-US" sz="6400" b="1" dirty="0">
+                <a:solidFill>
+                  <a:srgbClr val="660033"/>
+                </a:solidFill>
+                <a:latin typeface="Microsoft JhengHei" panose="020B0604030504040204" pitchFamily="34" charset="-120"/>
+                <a:ea typeface="Microsoft JhengHei" panose="020B0604030504040204" pitchFamily="34" charset="-120"/>
+              </a:rPr>
+              <a:t>我們必歡迎救主再來</a:t>
+            </a:r>
+          </a:p>
+        </p:txBody>
+      </p:sp>
+    </p:spTree>
+    <p:extLst>
+      <p:ext uri="{BB962C8B-B14F-4D97-AF65-F5344CB8AC3E}">
+        <p14:creationId xmlns:p14="http://schemas.microsoft.com/office/powerpoint/2010/main" val="1400958991"/>
+      </p:ext>
+    </p:extLst>
+  </p:cSld>
+  <p:clrMapOvr>
+    <a:masterClrMapping/>
+  </p:clrMapOvr>
+  <p:timing>
+    <p:tnLst>
+      <p:par>
+        <p:cTn id="1" dur="indefinite" restart="never" nodeType="tmRoot"/>
+      </p:par>
+    </p:tnLst>
+  </p:timing>
+</p:sld>
+</file>
+
+<file path=ppt/slides/slide17.xml><?xml version="1.0" encoding="utf-8"?>
+<p:sld xmlns:a="http://schemas.openxmlformats.org/drawingml/2006/main" xmlns:r="http://schemas.openxmlformats.org/officeDocument/2006/relationships" xmlns:p="http://schemas.openxmlformats.org/presentationml/2006/main">
+  <p:cSld>
+    <p:spTree>
+      <p:nvGrpSpPr>
+        <p:cNvPr id="1" name=""/>
+        <p:cNvGrpSpPr/>
+        <p:nvPr/>
+      </p:nvGrpSpPr>
+      <p:grpSpPr>
+        <a:xfrm>
+          <a:off x="0" y="0"/>
+          <a:ext cx="0" cy="0"/>
+          <a:chOff x="0" y="0"/>
+          <a:chExt cx="0" cy="0"/>
+        </a:xfrm>
+      </p:grpSpPr>
+      <p:sp>
+        <p:nvSpPr>
+          <p:cNvPr id="5" name="內容版面配置區 4"/>
+          <p:cNvSpPr>
+            <a:spLocks noGrp="1"/>
+          </p:cNvSpPr>
+          <p:nvPr>
+            <p:ph idx="1"/>
+          </p:nvPr>
+        </p:nvSpPr>
+        <p:spPr>
+          <a:xfrm>
+            <a:off x="0" y="2084853"/>
+            <a:ext cx="12192000" cy="2404863"/>
+          </a:xfrm>
+        </p:spPr>
+        <p:txBody>
+          <a:bodyPr anchor="ctr">
+            <a:normAutofit/>
+          </a:bodyPr>
+          <a:lstStyle/>
+          <a:p>
+            <a:pPr marL="0" indent="0" algn="ctr">
+              <a:buNone/>
+            </a:pPr>
+            <a:r>
+              <a:rPr lang="zh-TW" altLang="en-US" sz="6400" b="1" dirty="0">
+                <a:solidFill>
+                  <a:srgbClr val="660033"/>
+                </a:solidFill>
+                <a:latin typeface="Microsoft JhengHei" panose="020B0604030504040204" pitchFamily="34" charset="-120"/>
+                <a:ea typeface="Microsoft JhengHei" panose="020B0604030504040204" pitchFamily="34" charset="-120"/>
+              </a:rPr>
+              <a:t>或在早晨或正午或夜半</a:t>
+            </a:r>
+          </a:p>
+          <a:p>
+            <a:pPr marL="0" indent="0" algn="ctr">
+              <a:buNone/>
+            </a:pPr>
+            <a:r>
+              <a:rPr lang="zh-TW" altLang="en-US" sz="6400" b="1" dirty="0">
+                <a:solidFill>
+                  <a:srgbClr val="660033"/>
+                </a:solidFill>
+                <a:latin typeface="Microsoft JhengHei" panose="020B0604030504040204" pitchFamily="34" charset="-120"/>
+                <a:ea typeface="Microsoft JhengHei" panose="020B0604030504040204" pitchFamily="34" charset="-120"/>
+              </a:rPr>
+              <a:t>我知主快再來</a:t>
+            </a:r>
+          </a:p>
+        </p:txBody>
+      </p:sp>
+    </p:spTree>
+    <p:extLst>
+      <p:ext uri="{BB962C8B-B14F-4D97-AF65-F5344CB8AC3E}">
+        <p14:creationId xmlns:p14="http://schemas.microsoft.com/office/powerpoint/2010/main" val="2385363962"/>
+      </p:ext>
+    </p:extLst>
+  </p:cSld>
+  <p:clrMapOvr>
+    <a:masterClrMapping/>
+  </p:clrMapOvr>
+  <p:timing>
+    <p:tnLst>
+      <p:par>
+        <p:cTn id="1" dur="indefinite" restart="never" nodeType="tmRoot"/>
+      </p:par>
+    </p:tnLst>
+  </p:timing>
 </p:sld>
 </file>
 
@@ -3920,142 +4814,123 @@
       </p:grpSpPr>
       <p:sp>
         <p:nvSpPr>
-          <p:cNvPr id="4" name="Title 3"/>
-          <p:cNvSpPr>
-            <a:spLocks noGrp="1"/>
-          </p:cNvSpPr>
-          <p:nvPr>
-            <p:ph type="title"/>
-          </p:nvPr>
-        </p:nvSpPr>
-        <p:spPr/>
-        <p:txBody>
-          <a:bodyPr>
+          <p:cNvPr id="5" name="內容版面配置區 4"/>
+          <p:cNvSpPr>
+            <a:spLocks noGrp="1"/>
+          </p:cNvSpPr>
+          <p:nvPr>
+            <p:ph idx="1"/>
+          </p:nvPr>
+        </p:nvSpPr>
+        <p:spPr>
+          <a:xfrm>
+            <a:off x="0" y="2084853"/>
+            <a:ext cx="12192000" cy="2404863"/>
+          </a:xfrm>
+        </p:spPr>
+        <p:txBody>
+          <a:bodyPr anchor="ctr">
             <a:normAutofit/>
           </a:bodyPr>
           <a:lstStyle/>
           <a:p>
-            <a:r>
-              <a:rPr lang="en-US" altLang="zh-CN" sz="4800" b="1" dirty="0">
-                <a:solidFill>
-                  <a:srgbClr val="002060"/>
+            <a:pPr marL="0" indent="0" algn="ctr">
+              <a:buNone/>
+            </a:pPr>
+            <a:r>
+              <a:rPr lang="zh-TW" altLang="en-US" sz="6400" b="1" dirty="0">
+                <a:solidFill>
+                  <a:srgbClr val="660033"/>
                 </a:solidFill>
                 <a:latin typeface="Microsoft JhengHei" panose="020B0604030504040204" pitchFamily="34" charset="-120"/>
                 <a:ea typeface="Microsoft JhengHei" panose="020B0604030504040204" pitchFamily="34" charset="-120"/>
               </a:rPr>
-              <a:t>【</a:t>
-            </a:r>
-            <a:r>
-              <a:rPr lang="zh-CN" altLang="en-US" sz="4800" b="1" dirty="0">
-                <a:solidFill>
-                  <a:srgbClr val="002060"/>
+              <a:t>黑</a:t>
+            </a:r>
+            <a:r>
+              <a:rPr lang="zh-TW" altLang="en-US" sz="6400" b="1" dirty="0">
+                <a:solidFill>
+                  <a:srgbClr val="660033"/>
                 </a:solidFill>
                 <a:latin typeface="Microsoft JhengHei" panose="020B0604030504040204" pitchFamily="34" charset="-120"/>
                 <a:ea typeface="Microsoft JhengHei" panose="020B0604030504040204" pitchFamily="34" charset="-120"/>
               </a:rPr>
-              <a:t>主必快來</a:t>
-            </a:r>
-            <a:r>
-              <a:rPr lang="en-US" altLang="zh-CN" sz="4800" b="1" dirty="0">
-                <a:solidFill>
-                  <a:srgbClr val="002060"/>
+              <a:t>夜已深白晝將近</a:t>
+            </a:r>
+          </a:p>
+          <a:p>
+            <a:pPr marL="0" indent="0" algn="ctr">
+              <a:buNone/>
+            </a:pPr>
+            <a:r>
+              <a:rPr lang="zh-TW" altLang="en-US" sz="6400" b="1" dirty="0">
+                <a:solidFill>
+                  <a:srgbClr val="660033"/>
                 </a:solidFill>
                 <a:latin typeface="Microsoft JhengHei" panose="020B0604030504040204" pitchFamily="34" charset="-120"/>
                 <a:ea typeface="Microsoft JhengHei" panose="020B0604030504040204" pitchFamily="34" charset="-120"/>
               </a:rPr>
-              <a:t>】</a:t>
-            </a:r>
-          </a:p>
-        </p:txBody>
-      </p:sp>
-      <p:sp>
-        <p:nvSpPr>
-          <p:cNvPr id="5" name="Content Placeholder 4"/>
-          <p:cNvSpPr>
-            <a:spLocks noGrp="1"/>
-          </p:cNvSpPr>
-          <p:nvPr>
-            <p:ph idx="1"/>
-          </p:nvPr>
-        </p:nvSpPr>
-        <p:spPr/>
-        <p:txBody>
-          <a:bodyPr>
-            <a:normAutofit/>
+              <a:t>榮耀盼望給我永福</a:t>
+            </a:r>
+          </a:p>
+        </p:txBody>
+      </p:sp>
+      <p:sp>
+        <p:nvSpPr>
+          <p:cNvPr id="3" name="TextBox 2"/>
+          <p:cNvSpPr txBox="1"/>
+          <p:nvPr/>
+        </p:nvSpPr>
+        <p:spPr>
+          <a:xfrm>
+            <a:off x="0" y="5071885"/>
+            <a:ext cx="12192000" cy="923330"/>
+          </a:xfrm>
+          <a:prstGeom prst="rect">
+            <a:avLst/>
+          </a:prstGeom>
+          <a:noFill/>
+        </p:spPr>
+        <p:txBody>
+          <a:bodyPr wrap="square" rtlCol="0">
+            <a:spAutoFit/>
           </a:bodyPr>
           <a:lstStyle/>
           <a:p>
-            <a:pPr marL="0" indent="0" algn="ctr">
-              <a:buNone/>
-            </a:pPr>
-            <a:r>
-              <a:rPr lang="zh-TW" altLang="en-US" sz="5400" b="1" dirty="0">
-                <a:solidFill>
-                  <a:srgbClr val="002060"/>
-                </a:solidFill>
-                <a:latin typeface="Microsoft JhengHei" panose="020B0604030504040204" pitchFamily="34" charset="-120"/>
-                <a:ea typeface="Microsoft JhengHei" panose="020B0604030504040204" pitchFamily="34" charset="-120"/>
+            <a:pPr algn="ctr"/>
+            <a:r>
+              <a:rPr lang="en-US" sz="5400" b="1" dirty="0">
+                <a:solidFill>
+                  <a:srgbClr val="660033"/>
+                </a:solidFill>
               </a:rPr>
-              <a:t>主必快來  主必快來</a:t>
-            </a:r>
-          </a:p>
-          <a:p>
-            <a:pPr marL="0" indent="0" algn="ctr">
-              <a:buNone/>
-            </a:pPr>
-            <a:r>
-              <a:rPr lang="zh-TW" altLang="en-US" sz="5400" b="1" dirty="0">
-                <a:solidFill>
-                  <a:srgbClr val="002060"/>
-                </a:solidFill>
-                <a:latin typeface="Microsoft JhengHei" panose="020B0604030504040204" pitchFamily="34" charset="-120"/>
-                <a:ea typeface="Microsoft JhengHei" panose="020B0604030504040204" pitchFamily="34" charset="-120"/>
-              </a:rPr>
-              <a:t>我們必歡迎救主再來</a:t>
-            </a:r>
-          </a:p>
-          <a:p>
-            <a:pPr marL="0" indent="0" algn="ctr">
-              <a:buNone/>
-            </a:pPr>
-            <a:r>
-              <a:rPr lang="zh-TW" altLang="en-US" sz="5400" b="1" dirty="0">
-                <a:solidFill>
-                  <a:srgbClr val="002060"/>
-                </a:solidFill>
-                <a:latin typeface="Microsoft JhengHei" panose="020B0604030504040204" pitchFamily="34" charset="-120"/>
-                <a:ea typeface="Microsoft JhengHei" panose="020B0604030504040204" pitchFamily="34" charset="-120"/>
-              </a:rPr>
-              <a:t>或在早晨或正午或夜半</a:t>
-            </a:r>
-          </a:p>
-          <a:p>
-            <a:pPr marL="0" indent="0" algn="ctr">
-              <a:buNone/>
-            </a:pPr>
-            <a:r>
-              <a:rPr lang="zh-TW" altLang="en-US" sz="5400" b="1" dirty="0">
-                <a:solidFill>
-                  <a:srgbClr val="002060"/>
-                </a:solidFill>
-                <a:latin typeface="Microsoft JhengHei" panose="020B0604030504040204" pitchFamily="34" charset="-120"/>
-                <a:ea typeface="Microsoft JhengHei" panose="020B0604030504040204" pitchFamily="34" charset="-120"/>
-              </a:rPr>
-              <a:t>我知主快再來</a:t>
-            </a:r>
+              <a:t>( 1 )</a:t>
+            </a:r>
+            <a:endParaRPr lang="vi-VN" sz="5400" b="1" dirty="0">
+              <a:solidFill>
+                <a:srgbClr val="660033"/>
+              </a:solidFill>
+            </a:endParaRPr>
           </a:p>
         </p:txBody>
       </p:sp>
     </p:spTree>
     <p:extLst>
       <p:ext uri="{BB962C8B-B14F-4D97-AF65-F5344CB8AC3E}">
-        <p14:creationId xmlns:p14="http://schemas.microsoft.com/office/powerpoint/2010/main" val="1101212639"/>
+        <p14:creationId xmlns:p14="http://schemas.microsoft.com/office/powerpoint/2010/main" val="2085802189"/>
       </p:ext>
     </p:extLst>
   </p:cSld>
   <p:clrMapOvr>
     <a:masterClrMapping/>
   </p:clrMapOvr>
+  <p:timing>
+    <p:tnLst>
+      <p:par>
+        <p:cTn id="1" dur="indefinite" restart="never" nodeType="tmRoot"/>
+      </p:par>
+    </p:tnLst>
+  </p:timing>
 </p:sld>
 </file>
 
@@ -4078,154 +4953,82 @@
       </p:grpSpPr>
       <p:sp>
         <p:nvSpPr>
-          <p:cNvPr id="4" name="Title 3"/>
-          <p:cNvSpPr>
-            <a:spLocks noGrp="1"/>
-          </p:cNvSpPr>
-          <p:nvPr>
-            <p:ph type="title"/>
-          </p:nvPr>
-        </p:nvSpPr>
-        <p:spPr/>
-        <p:txBody>
-          <a:bodyPr>
+          <p:cNvPr id="5" name="內容版面配置區 4"/>
+          <p:cNvSpPr>
+            <a:spLocks noGrp="1"/>
+          </p:cNvSpPr>
+          <p:nvPr>
+            <p:ph idx="1"/>
+          </p:nvPr>
+        </p:nvSpPr>
+        <p:spPr>
+          <a:xfrm>
+            <a:off x="0" y="2084853"/>
+            <a:ext cx="12192000" cy="2404863"/>
+          </a:xfrm>
+        </p:spPr>
+        <p:txBody>
+          <a:bodyPr anchor="ctr">
             <a:normAutofit/>
           </a:bodyPr>
           <a:lstStyle/>
           <a:p>
-            <a:r>
-              <a:rPr lang="en-US" altLang="zh-CN" sz="4800" b="1" dirty="0">
-                <a:solidFill>
-                  <a:srgbClr val="002060"/>
+            <a:pPr marL="0" indent="0" algn="ctr">
+              <a:buNone/>
+            </a:pPr>
+            <a:r>
+              <a:rPr lang="zh-TW" altLang="en-US" sz="6400" b="1" dirty="0">
+                <a:solidFill>
+                  <a:srgbClr val="660033"/>
                 </a:solidFill>
                 <a:latin typeface="Microsoft JhengHei" panose="020B0604030504040204" pitchFamily="34" charset="-120"/>
                 <a:ea typeface="Microsoft JhengHei" panose="020B0604030504040204" pitchFamily="34" charset="-120"/>
               </a:rPr>
-              <a:t>【</a:t>
-            </a:r>
-            <a:r>
-              <a:rPr lang="zh-CN" altLang="en-US" sz="4800" b="1" dirty="0">
-                <a:solidFill>
-                  <a:srgbClr val="002060"/>
+              <a:t>奇妙真理快樂信息</a:t>
+            </a:r>
+          </a:p>
+          <a:p>
+            <a:pPr marL="0" indent="0" algn="ctr">
+              <a:buNone/>
+            </a:pPr>
+            <a:r>
+              <a:rPr lang="zh-TW" altLang="en-US" sz="6400" b="1" dirty="0">
+                <a:solidFill>
+                  <a:srgbClr val="660033"/>
                 </a:solidFill>
                 <a:latin typeface="Microsoft JhengHei" panose="020B0604030504040204" pitchFamily="34" charset="-120"/>
                 <a:ea typeface="Microsoft JhengHei" panose="020B0604030504040204" pitchFamily="34" charset="-120"/>
               </a:rPr>
-              <a:t>主必快來</a:t>
-            </a:r>
-            <a:r>
-              <a:rPr lang="en-US" altLang="zh-CN" sz="4800" b="1" dirty="0">
-                <a:solidFill>
-                  <a:srgbClr val="002060"/>
-                </a:solidFill>
-                <a:latin typeface="Microsoft JhengHei" panose="020B0604030504040204" pitchFamily="34" charset="-120"/>
-                <a:ea typeface="Microsoft JhengHei" panose="020B0604030504040204" pitchFamily="34" charset="-120"/>
-              </a:rPr>
-              <a:t>】</a:t>
-            </a:r>
-          </a:p>
-        </p:txBody>
-      </p:sp>
-      <p:sp>
-        <p:nvSpPr>
-          <p:cNvPr id="5" name="Content Placeholder 4"/>
-          <p:cNvSpPr>
-            <a:spLocks noGrp="1"/>
-          </p:cNvSpPr>
-          <p:nvPr>
-            <p:ph idx="1"/>
-          </p:nvPr>
-        </p:nvSpPr>
-        <p:spPr/>
-        <p:txBody>
-          <a:bodyPr>
-            <a:normAutofit/>
-          </a:bodyPr>
-          <a:lstStyle/>
-          <a:p>
-            <a:pPr marL="0" indent="0" algn="ctr">
-              <a:buNone/>
-            </a:pPr>
-            <a:r>
-              <a:rPr lang="zh-TW" altLang="en-US" sz="5400" b="1" dirty="0">
-                <a:solidFill>
-                  <a:srgbClr val="002060"/>
-                </a:solidFill>
-                <a:latin typeface="Microsoft JhengHei" panose="020B0604030504040204" pitchFamily="34" charset="-120"/>
-                <a:ea typeface="Microsoft JhengHei" panose="020B0604030504040204" pitchFamily="34" charset="-120"/>
-              </a:rPr>
-              <a:t>世界潮流天空現象</a:t>
-            </a:r>
-          </a:p>
-          <a:p>
-            <a:pPr marL="0" indent="0" algn="ctr">
-              <a:buNone/>
-            </a:pPr>
-            <a:r>
-              <a:rPr lang="zh-TW" altLang="en-US" sz="5400" b="1" dirty="0">
-                <a:solidFill>
-                  <a:srgbClr val="002060"/>
-                </a:solidFill>
-                <a:latin typeface="Microsoft JhengHei" panose="020B0604030504040204" pitchFamily="34" charset="-120"/>
-                <a:ea typeface="Microsoft JhengHei" panose="020B0604030504040204" pitchFamily="34" charset="-120"/>
-              </a:rPr>
-              <a:t>明星如晝都是預兆</a:t>
-            </a:r>
-          </a:p>
-          <a:p>
-            <a:pPr marL="0" indent="0" algn="ctr">
-              <a:buNone/>
-            </a:pPr>
-            <a:r>
-              <a:rPr lang="zh-TW" altLang="en-US" sz="5400" b="1" dirty="0">
-                <a:solidFill>
-                  <a:srgbClr val="002060"/>
-                </a:solidFill>
-                <a:latin typeface="Microsoft JhengHei" panose="020B0604030504040204" pitchFamily="34" charset="-120"/>
-                <a:ea typeface="Microsoft JhengHei" panose="020B0604030504040204" pitchFamily="34" charset="-120"/>
-              </a:rPr>
-              <a:t>上帝所召忠信見證</a:t>
-            </a:r>
-          </a:p>
-          <a:p>
-            <a:pPr marL="0" indent="0" algn="ctr">
-              <a:buNone/>
-            </a:pPr>
-            <a:r>
-              <a:rPr lang="zh-TW" altLang="en-US" sz="5400" b="1" dirty="0">
-                <a:solidFill>
-                  <a:srgbClr val="002060"/>
-                </a:solidFill>
-                <a:latin typeface="Microsoft JhengHei" panose="020B0604030504040204" pitchFamily="34" charset="-120"/>
-                <a:ea typeface="Microsoft JhengHei" panose="020B0604030504040204" pitchFamily="34" charset="-120"/>
-              </a:rPr>
-              <a:t>高聲傳我救主必快來到</a:t>
-            </a:r>
-          </a:p>
-        </p:txBody>
-      </p:sp>
-      <p:sp>
-        <p:nvSpPr>
-          <p:cNvPr id="6" name="Text Box 1"/>
+              <a:t>主為萬王之王萬主之主</a:t>
+            </a:r>
+            <a:endParaRPr lang="zh-TW" altLang="en-US" sz="6400" b="1" dirty="0">
+              <a:solidFill>
+                <a:srgbClr val="660033"/>
+              </a:solidFill>
+              <a:latin typeface="Microsoft JhengHei" panose="020B0604030504040204" pitchFamily="34" charset="-120"/>
+              <a:ea typeface="Microsoft JhengHei" panose="020B0604030504040204" pitchFamily="34" charset="-120"/>
+            </a:endParaRPr>
+          </a:p>
+        </p:txBody>
+      </p:sp>
+      <p:sp>
+        <p:nvSpPr>
+          <p:cNvPr id="3" name="TextBox 2"/>
           <p:cNvSpPr txBox="1"/>
           <p:nvPr/>
         </p:nvSpPr>
         <p:spPr>
           <a:xfrm>
-            <a:off x="1199456" y="1700808"/>
-            <a:ext cx="1380490" cy="923330"/>
+            <a:off x="0" y="5071885"/>
+            <a:ext cx="12192000" cy="923330"/>
           </a:xfrm>
           <a:prstGeom prst="rect">
             <a:avLst/>
           </a:prstGeom>
           <a:noFill/>
-          <a:ln w="9525">
-            <a:noFill/>
-            <a:miter lim="800000"/>
-          </a:ln>
         </p:spPr>
         <p:txBody>
-          <a:bodyPr wrap="square">
+          <a:bodyPr wrap="square" rtlCol="0">
             <a:spAutoFit/>
           </a:bodyPr>
           <a:lstStyle/>
@@ -4234,22 +5037,14 @@
             <a:r>
               <a:rPr lang="en-US" sz="5400" b="1" dirty="0">
                 <a:solidFill>
-                  <a:srgbClr val="002060"/>
+                  <a:srgbClr val="660033"/>
                 </a:solidFill>
               </a:rPr>
-              <a:t>2</a:t>
-            </a:r>
-            <a:r>
-              <a:rPr lang="en-US" sz="5400" b="1" dirty="0" smtClean="0">
-                <a:solidFill>
-                  <a:srgbClr val="002060"/>
-                </a:solidFill>
-              </a:rPr>
-              <a:t>.</a:t>
-            </a:r>
-            <a:endParaRPr lang="en-US" sz="5400" b="1" dirty="0">
+              <a:t>( 1 )</a:t>
+            </a:r>
+            <a:endParaRPr lang="vi-VN" sz="5400" b="1" dirty="0">
               <a:solidFill>
-                <a:srgbClr val="002060"/>
+                <a:srgbClr val="660033"/>
               </a:solidFill>
             </a:endParaRPr>
           </a:p>
@@ -4258,13 +5053,20 @@
     </p:spTree>
     <p:extLst>
       <p:ext uri="{BB962C8B-B14F-4D97-AF65-F5344CB8AC3E}">
-        <p14:creationId xmlns:p14="http://schemas.microsoft.com/office/powerpoint/2010/main" val="1292474169"/>
+        <p14:creationId xmlns:p14="http://schemas.microsoft.com/office/powerpoint/2010/main" val="716912891"/>
       </p:ext>
     </p:extLst>
   </p:cSld>
   <p:clrMapOvr>
     <a:masterClrMapping/>
   </p:clrMapOvr>
+  <p:timing>
+    <p:tnLst>
+      <p:par>
+        <p:cTn id="1" dur="indefinite" restart="never" nodeType="tmRoot"/>
+      </p:par>
+    </p:tnLst>
+  </p:timing>
 </p:sld>
 </file>
 
@@ -4287,78 +5089,33 @@
       </p:grpSpPr>
       <p:sp>
         <p:nvSpPr>
-          <p:cNvPr id="4" name="Title 3"/>
-          <p:cNvSpPr>
-            <a:spLocks noGrp="1"/>
-          </p:cNvSpPr>
-          <p:nvPr>
-            <p:ph type="title"/>
-          </p:nvPr>
-        </p:nvSpPr>
-        <p:spPr/>
-        <p:txBody>
-          <a:bodyPr>
+          <p:cNvPr id="5" name="內容版面配置區 4"/>
+          <p:cNvSpPr>
+            <a:spLocks noGrp="1"/>
+          </p:cNvSpPr>
+          <p:nvPr>
+            <p:ph idx="1"/>
+          </p:nvPr>
+        </p:nvSpPr>
+        <p:spPr>
+          <a:xfrm>
+            <a:off x="0" y="2084853"/>
+            <a:ext cx="12192000" cy="2404863"/>
+          </a:xfrm>
+        </p:spPr>
+        <p:txBody>
+          <a:bodyPr anchor="ctr">
             <a:normAutofit/>
           </a:bodyPr>
           <a:lstStyle/>
           <a:p>
-            <a:r>
-              <a:rPr lang="en-US" altLang="zh-CN" sz="4800" b="1" dirty="0">
-                <a:solidFill>
-                  <a:srgbClr val="002060"/>
-                </a:solidFill>
-                <a:latin typeface="Microsoft JhengHei" panose="020B0604030504040204" pitchFamily="34" charset="-120"/>
-                <a:ea typeface="Microsoft JhengHei" panose="020B0604030504040204" pitchFamily="34" charset="-120"/>
-              </a:rPr>
-              <a:t>【</a:t>
-            </a:r>
-            <a:r>
-              <a:rPr lang="zh-CN" altLang="en-US" sz="4800" b="1" dirty="0">
-                <a:solidFill>
-                  <a:srgbClr val="002060"/>
-                </a:solidFill>
-                <a:latin typeface="Microsoft JhengHei" panose="020B0604030504040204" pitchFamily="34" charset="-120"/>
-                <a:ea typeface="Microsoft JhengHei" panose="020B0604030504040204" pitchFamily="34" charset="-120"/>
-              </a:rPr>
-              <a:t>主必快來</a:t>
-            </a:r>
-            <a:r>
-              <a:rPr lang="en-US" altLang="zh-CN" sz="4800" b="1" dirty="0">
-                <a:solidFill>
-                  <a:srgbClr val="002060"/>
-                </a:solidFill>
-                <a:latin typeface="Microsoft JhengHei" panose="020B0604030504040204" pitchFamily="34" charset="-120"/>
-                <a:ea typeface="Microsoft JhengHei" panose="020B0604030504040204" pitchFamily="34" charset="-120"/>
-              </a:rPr>
-              <a:t>】</a:t>
-            </a:r>
-          </a:p>
-        </p:txBody>
-      </p:sp>
-      <p:sp>
-        <p:nvSpPr>
-          <p:cNvPr id="5" name="Content Placeholder 4"/>
-          <p:cNvSpPr>
-            <a:spLocks noGrp="1"/>
-          </p:cNvSpPr>
-          <p:nvPr>
-            <p:ph idx="1"/>
-          </p:nvPr>
-        </p:nvSpPr>
-        <p:spPr/>
-        <p:txBody>
-          <a:bodyPr>
-            <a:normAutofit/>
-          </a:bodyPr>
-          <a:lstStyle/>
-          <a:p>
             <a:pPr marL="0" indent="0" algn="ctr">
               <a:buNone/>
             </a:pPr>
             <a:r>
-              <a:rPr lang="zh-TW" altLang="en-US" sz="5400" b="1" dirty="0">
-                <a:solidFill>
-                  <a:srgbClr val="002060"/>
+              <a:rPr lang="zh-TW" altLang="en-US" sz="6400" b="1" dirty="0">
+                <a:solidFill>
+                  <a:srgbClr val="660033"/>
                 </a:solidFill>
                 <a:latin typeface="Microsoft JhengHei" panose="020B0604030504040204" pitchFamily="34" charset="-120"/>
                 <a:ea typeface="Microsoft JhengHei" panose="020B0604030504040204" pitchFamily="34" charset="-120"/>
@@ -4371,9 +5128,9 @@
               <a:buNone/>
             </a:pPr>
             <a:r>
-              <a:rPr lang="zh-TW" altLang="en-US" sz="5400" b="1" dirty="0">
-                <a:solidFill>
-                  <a:srgbClr val="002060"/>
+              <a:rPr lang="zh-TW" altLang="en-US" sz="6400" b="1" dirty="0">
+                <a:solidFill>
+                  <a:srgbClr val="660033"/>
                 </a:solidFill>
                 <a:latin typeface="Microsoft JhengHei" panose="020B0604030504040204" pitchFamily="34" charset="-120"/>
                 <a:ea typeface="Microsoft JhengHei" panose="020B0604030504040204" pitchFamily="34" charset="-120"/>
@@ -4381,48 +5138,25 @@
               <a:t>我們必歡迎救主再來</a:t>
             </a:r>
           </a:p>
-          <a:p>
-            <a:pPr marL="0" indent="0" algn="ctr">
-              <a:buNone/>
-            </a:pPr>
-            <a:r>
-              <a:rPr lang="zh-TW" altLang="en-US" sz="5400" b="1" dirty="0">
-                <a:solidFill>
-                  <a:srgbClr val="002060"/>
-                </a:solidFill>
-                <a:latin typeface="Microsoft JhengHei" panose="020B0604030504040204" pitchFamily="34" charset="-120"/>
-                <a:ea typeface="Microsoft JhengHei" panose="020B0604030504040204" pitchFamily="34" charset="-120"/>
-              </a:rPr>
-              <a:t>或在早晨或正午或夜半</a:t>
-            </a:r>
-          </a:p>
-          <a:p>
-            <a:pPr marL="0" indent="0" algn="ctr">
-              <a:buNone/>
-            </a:pPr>
-            <a:r>
-              <a:rPr lang="zh-TW" altLang="en-US" sz="5400" b="1" dirty="0">
-                <a:solidFill>
-                  <a:srgbClr val="002060"/>
-                </a:solidFill>
-                <a:latin typeface="Microsoft JhengHei" panose="020B0604030504040204" pitchFamily="34" charset="-120"/>
-                <a:ea typeface="Microsoft JhengHei" panose="020B0604030504040204" pitchFamily="34" charset="-120"/>
-              </a:rPr>
-              <a:t>我知主快再來</a:t>
-            </a:r>
-          </a:p>
         </p:txBody>
       </p:sp>
     </p:spTree>
     <p:extLst>
       <p:ext uri="{BB962C8B-B14F-4D97-AF65-F5344CB8AC3E}">
-        <p14:creationId xmlns:p14="http://schemas.microsoft.com/office/powerpoint/2010/main" val="1484262314"/>
+        <p14:creationId xmlns:p14="http://schemas.microsoft.com/office/powerpoint/2010/main" val="525366257"/>
       </p:ext>
     </p:extLst>
   </p:cSld>
   <p:clrMapOvr>
     <a:masterClrMapping/>
   </p:clrMapOvr>
+  <p:timing>
+    <p:tnLst>
+      <p:par>
+        <p:cTn id="1" dur="indefinite" restart="never" nodeType="tmRoot"/>
+      </p:par>
+    </p:tnLst>
+  </p:timing>
 </p:sld>
 </file>
 
@@ -4445,193 +5179,74 @@
       </p:grpSpPr>
       <p:sp>
         <p:nvSpPr>
-          <p:cNvPr id="4" name="Title 3"/>
-          <p:cNvSpPr>
-            <a:spLocks noGrp="1"/>
-          </p:cNvSpPr>
-          <p:nvPr>
-            <p:ph type="title"/>
-          </p:nvPr>
-        </p:nvSpPr>
-        <p:spPr/>
-        <p:txBody>
-          <a:bodyPr>
+          <p:cNvPr id="5" name="內容版面配置區 4"/>
+          <p:cNvSpPr>
+            <a:spLocks noGrp="1"/>
+          </p:cNvSpPr>
+          <p:nvPr>
+            <p:ph idx="1"/>
+          </p:nvPr>
+        </p:nvSpPr>
+        <p:spPr>
+          <a:xfrm>
+            <a:off x="0" y="2084853"/>
+            <a:ext cx="12192000" cy="2404863"/>
+          </a:xfrm>
+        </p:spPr>
+        <p:txBody>
+          <a:bodyPr anchor="ctr">
             <a:normAutofit/>
           </a:bodyPr>
           <a:lstStyle/>
           <a:p>
-            <a:r>
-              <a:rPr lang="en-US" altLang="zh-CN" sz="4800" b="1" dirty="0">
-                <a:solidFill>
-                  <a:srgbClr val="002060"/>
+            <a:pPr marL="0" indent="0" algn="ctr">
+              <a:buNone/>
+            </a:pPr>
+            <a:r>
+              <a:rPr lang="zh-TW" altLang="en-US" sz="6400" b="1" dirty="0">
+                <a:solidFill>
+                  <a:srgbClr val="660033"/>
                 </a:solidFill>
                 <a:latin typeface="Microsoft JhengHei" panose="020B0604030504040204" pitchFamily="34" charset="-120"/>
                 <a:ea typeface="Microsoft JhengHei" panose="020B0604030504040204" pitchFamily="34" charset="-120"/>
               </a:rPr>
-              <a:t>【</a:t>
-            </a:r>
-            <a:r>
-              <a:rPr lang="zh-CN" altLang="en-US" sz="4800" b="1" dirty="0">
-                <a:solidFill>
-                  <a:srgbClr val="002060"/>
+              <a:t>或在早晨或正午或夜半</a:t>
+            </a:r>
+          </a:p>
+          <a:p>
+            <a:pPr marL="0" indent="0" algn="ctr">
+              <a:buNone/>
+            </a:pPr>
+            <a:r>
+              <a:rPr lang="zh-TW" altLang="en-US" sz="6400" b="1" dirty="0">
+                <a:solidFill>
+                  <a:srgbClr val="660033"/>
                 </a:solidFill>
                 <a:latin typeface="Microsoft JhengHei" panose="020B0604030504040204" pitchFamily="34" charset="-120"/>
                 <a:ea typeface="Microsoft JhengHei" panose="020B0604030504040204" pitchFamily="34" charset="-120"/>
               </a:rPr>
-              <a:t>主必快來</a:t>
-            </a:r>
-            <a:r>
-              <a:rPr lang="en-US" altLang="zh-CN" sz="4800" b="1" dirty="0">
-                <a:solidFill>
-                  <a:srgbClr val="002060"/>
-                </a:solidFill>
-                <a:latin typeface="Microsoft JhengHei" panose="020B0604030504040204" pitchFamily="34" charset="-120"/>
-                <a:ea typeface="Microsoft JhengHei" panose="020B0604030504040204" pitchFamily="34" charset="-120"/>
-              </a:rPr>
-              <a:t>】</a:t>
-            </a:r>
-          </a:p>
-        </p:txBody>
-      </p:sp>
-      <p:sp>
-        <p:nvSpPr>
-          <p:cNvPr id="5" name="Content Placeholder 4"/>
-          <p:cNvSpPr>
-            <a:spLocks noGrp="1"/>
-          </p:cNvSpPr>
-          <p:nvPr>
-            <p:ph idx="1"/>
-          </p:nvPr>
-        </p:nvSpPr>
-        <p:spPr/>
-        <p:txBody>
-          <a:bodyPr>
-            <a:normAutofit/>
-          </a:bodyPr>
-          <a:lstStyle/>
-          <a:p>
-            <a:pPr marL="0" indent="0" algn="ctr">
-              <a:buNone/>
-            </a:pPr>
-            <a:r>
-              <a:rPr lang="zh-TW" altLang="en-US" sz="5400" b="1" dirty="0">
-                <a:solidFill>
-                  <a:srgbClr val="002060"/>
-                </a:solidFill>
-                <a:latin typeface="Microsoft JhengHei" panose="020B0604030504040204" pitchFamily="34" charset="-120"/>
-                <a:ea typeface="Microsoft JhengHei" panose="020B0604030504040204" pitchFamily="34" charset="-120"/>
-              </a:rPr>
-              <a:t>許多信徒主內安睡</a:t>
-            </a:r>
-          </a:p>
-          <a:p>
-            <a:pPr marL="0" indent="0" algn="ctr">
-              <a:buNone/>
-            </a:pPr>
-            <a:r>
-              <a:rPr lang="zh-TW" altLang="en-US" sz="5400" b="1" dirty="0">
-                <a:solidFill>
-                  <a:srgbClr val="002060"/>
-                </a:solidFill>
-                <a:latin typeface="Microsoft JhengHei" panose="020B0604030504040204" pitchFamily="34" charset="-120"/>
-                <a:ea typeface="Microsoft JhengHei" panose="020B0604030504040204" pitchFamily="34" charset="-120"/>
-              </a:rPr>
-              <a:t>主再來時都要復活</a:t>
-            </a:r>
-          </a:p>
-          <a:p>
-            <a:pPr marL="0" indent="0" algn="ctr">
-              <a:buNone/>
-            </a:pPr>
-            <a:r>
-              <a:rPr lang="zh-TW" altLang="en-US" sz="5400" b="1" dirty="0">
-                <a:solidFill>
-                  <a:srgbClr val="002060"/>
-                </a:solidFill>
-                <a:latin typeface="Microsoft JhengHei" panose="020B0604030504040204" pitchFamily="34" charset="-120"/>
-                <a:ea typeface="Microsoft JhengHei" panose="020B0604030504040204" pitchFamily="34" charset="-120"/>
-              </a:rPr>
-              <a:t>彼時天上金門大開</a:t>
-            </a:r>
-          </a:p>
-          <a:p>
-            <a:pPr marL="0" indent="0" algn="ctr">
-              <a:buNone/>
-            </a:pPr>
-            <a:r>
-              <a:rPr lang="zh-TW" altLang="en-US" sz="5400" b="1" dirty="0">
-                <a:solidFill>
-                  <a:srgbClr val="002060"/>
-                </a:solidFill>
-                <a:latin typeface="Microsoft JhengHei" panose="020B0604030504040204" pitchFamily="34" charset="-120"/>
-                <a:ea typeface="Microsoft JhengHei" panose="020B0604030504040204" pitchFamily="34" charset="-120"/>
-              </a:rPr>
-              <a:t>主必來親設立快樂之國</a:t>
-            </a:r>
-          </a:p>
-        </p:txBody>
-      </p:sp>
-      <p:sp>
-        <p:nvSpPr>
-          <p:cNvPr id="6" name="Text Box 1"/>
-          <p:cNvSpPr txBox="1"/>
-          <p:nvPr/>
-        </p:nvSpPr>
-        <p:spPr>
-          <a:xfrm>
-            <a:off x="1199456" y="1700808"/>
-            <a:ext cx="1380490" cy="923330"/>
-          </a:xfrm>
-          <a:prstGeom prst="rect">
-            <a:avLst/>
-          </a:prstGeom>
-          <a:noFill/>
-          <a:ln w="9525">
-            <a:noFill/>
-            <a:miter lim="800000"/>
-          </a:ln>
-        </p:spPr>
-        <p:txBody>
-          <a:bodyPr wrap="square">
-            <a:spAutoFit/>
-          </a:bodyPr>
-          <a:lstStyle/>
-          <a:p>
-            <a:pPr algn="ctr"/>
-            <a:r>
-              <a:rPr lang="en-US" sz="5400" b="1" dirty="0">
-                <a:solidFill>
-                  <a:srgbClr val="002060"/>
-                </a:solidFill>
-              </a:rPr>
-              <a:t>3</a:t>
-            </a:r>
-            <a:r>
-              <a:rPr lang="en-US" sz="5400" b="1" dirty="0" smtClean="0">
-                <a:solidFill>
-                  <a:srgbClr val="002060"/>
-                </a:solidFill>
-              </a:rPr>
-              <a:t>.</a:t>
-            </a:r>
-            <a:endParaRPr lang="en-US" sz="5400" b="1" dirty="0">
-              <a:solidFill>
-                <a:srgbClr val="002060"/>
-              </a:solidFill>
-            </a:endParaRPr>
+              <a:t>我知主快再來</a:t>
+            </a:r>
           </a:p>
         </p:txBody>
       </p:sp>
     </p:spTree>
     <p:extLst>
       <p:ext uri="{BB962C8B-B14F-4D97-AF65-F5344CB8AC3E}">
-        <p14:creationId xmlns:p14="http://schemas.microsoft.com/office/powerpoint/2010/main" val="2792312328"/>
+        <p14:creationId xmlns:p14="http://schemas.microsoft.com/office/powerpoint/2010/main" val="832203469"/>
       </p:ext>
     </p:extLst>
   </p:cSld>
   <p:clrMapOvr>
     <a:masterClrMapping/>
   </p:clrMapOvr>
+  <p:timing>
+    <p:tnLst>
+      <p:par>
+        <p:cTn id="1" dur="indefinite" restart="never" nodeType="tmRoot"/>
+      </p:par>
+    </p:tnLst>
+  </p:timing>
 </p:sld>
 </file>
 
@@ -4654,142 +5269,120 @@
       </p:grpSpPr>
       <p:sp>
         <p:nvSpPr>
-          <p:cNvPr id="4" name="Title 3"/>
-          <p:cNvSpPr>
-            <a:spLocks noGrp="1"/>
-          </p:cNvSpPr>
-          <p:nvPr>
-            <p:ph type="title"/>
-          </p:nvPr>
-        </p:nvSpPr>
-        <p:spPr/>
-        <p:txBody>
-          <a:bodyPr>
+          <p:cNvPr id="5" name="內容版面配置區 4"/>
+          <p:cNvSpPr>
+            <a:spLocks noGrp="1"/>
+          </p:cNvSpPr>
+          <p:nvPr>
+            <p:ph idx="1"/>
+          </p:nvPr>
+        </p:nvSpPr>
+        <p:spPr>
+          <a:xfrm>
+            <a:off x="0" y="2084853"/>
+            <a:ext cx="12192000" cy="2404863"/>
+          </a:xfrm>
+        </p:spPr>
+        <p:txBody>
+          <a:bodyPr anchor="ctr">
             <a:normAutofit/>
           </a:bodyPr>
           <a:lstStyle/>
           <a:p>
-            <a:r>
-              <a:rPr lang="en-US" altLang="zh-CN" sz="4800" b="1" dirty="0">
-                <a:solidFill>
-                  <a:srgbClr val="002060"/>
+            <a:pPr marL="0" indent="0" algn="ctr">
+              <a:buNone/>
+            </a:pPr>
+            <a:r>
+              <a:rPr lang="zh-TW" altLang="en-US" sz="6400" b="1" dirty="0">
+                <a:solidFill>
+                  <a:srgbClr val="660033"/>
                 </a:solidFill>
                 <a:latin typeface="Microsoft JhengHei" panose="020B0604030504040204" pitchFamily="34" charset="-120"/>
                 <a:ea typeface="Microsoft JhengHei" panose="020B0604030504040204" pitchFamily="34" charset="-120"/>
               </a:rPr>
-              <a:t>【</a:t>
-            </a:r>
-            <a:r>
-              <a:rPr lang="zh-CN" altLang="en-US" sz="4800" b="1" dirty="0">
-                <a:solidFill>
-                  <a:srgbClr val="002060"/>
+              <a:t>世界潮流天空現象</a:t>
+            </a:r>
+          </a:p>
+          <a:p>
+            <a:pPr marL="0" indent="0" algn="ctr">
+              <a:buNone/>
+            </a:pPr>
+            <a:r>
+              <a:rPr lang="zh-TW" altLang="en-US" sz="6400" b="1" dirty="0">
+                <a:solidFill>
+                  <a:srgbClr val="660033"/>
                 </a:solidFill>
                 <a:latin typeface="Microsoft JhengHei" panose="020B0604030504040204" pitchFamily="34" charset="-120"/>
                 <a:ea typeface="Microsoft JhengHei" panose="020B0604030504040204" pitchFamily="34" charset="-120"/>
               </a:rPr>
-              <a:t>主必快來</a:t>
-            </a:r>
-            <a:r>
-              <a:rPr lang="en-US" altLang="zh-CN" sz="4800" b="1" dirty="0">
-                <a:solidFill>
-                  <a:srgbClr val="002060"/>
-                </a:solidFill>
-                <a:latin typeface="Microsoft JhengHei" panose="020B0604030504040204" pitchFamily="34" charset="-120"/>
-                <a:ea typeface="Microsoft JhengHei" panose="020B0604030504040204" pitchFamily="34" charset="-120"/>
+              <a:t>明星如晝都是預兆</a:t>
+            </a:r>
+            <a:endParaRPr lang="zh-TW" altLang="en-US" sz="6400" b="1" dirty="0">
+              <a:solidFill>
+                <a:srgbClr val="660033"/>
+              </a:solidFill>
+              <a:latin typeface="Microsoft JhengHei" panose="020B0604030504040204" pitchFamily="34" charset="-120"/>
+              <a:ea typeface="Microsoft JhengHei" panose="020B0604030504040204" pitchFamily="34" charset="-120"/>
+            </a:endParaRPr>
+          </a:p>
+        </p:txBody>
+      </p:sp>
+      <p:sp>
+        <p:nvSpPr>
+          <p:cNvPr id="3" name="TextBox 2"/>
+          <p:cNvSpPr txBox="1"/>
+          <p:nvPr/>
+        </p:nvSpPr>
+        <p:spPr>
+          <a:xfrm>
+            <a:off x="0" y="5071885"/>
+            <a:ext cx="12192000" cy="923330"/>
+          </a:xfrm>
+          <a:prstGeom prst="rect">
+            <a:avLst/>
+          </a:prstGeom>
+          <a:noFill/>
+        </p:spPr>
+        <p:txBody>
+          <a:bodyPr wrap="square" rtlCol="0">
+            <a:spAutoFit/>
+          </a:bodyPr>
+          <a:lstStyle/>
+          <a:p>
+            <a:pPr algn="ctr"/>
+            <a:r>
+              <a:rPr lang="en-US" sz="5400" b="1" dirty="0">
+                <a:solidFill>
+                  <a:srgbClr val="660033"/>
+                </a:solidFill>
               </a:rPr>
-              <a:t>】</a:t>
-            </a:r>
-          </a:p>
-        </p:txBody>
-      </p:sp>
-      <p:sp>
-        <p:nvSpPr>
-          <p:cNvPr id="5" name="Content Placeholder 4"/>
-          <p:cNvSpPr>
-            <a:spLocks noGrp="1"/>
-          </p:cNvSpPr>
-          <p:nvPr>
-            <p:ph idx="1"/>
-          </p:nvPr>
-        </p:nvSpPr>
-        <p:spPr/>
-        <p:txBody>
-          <a:bodyPr>
-            <a:normAutofit/>
-          </a:bodyPr>
-          <a:lstStyle/>
-          <a:p>
-            <a:pPr marL="0" indent="0" algn="ctr">
-              <a:buNone/>
-            </a:pPr>
-            <a:r>
-              <a:rPr lang="zh-TW" altLang="en-US" sz="5400" b="1" dirty="0">
-                <a:solidFill>
-                  <a:srgbClr val="002060"/>
-                </a:solidFill>
-                <a:latin typeface="Microsoft JhengHei" panose="020B0604030504040204" pitchFamily="34" charset="-120"/>
-                <a:ea typeface="Microsoft JhengHei" panose="020B0604030504040204" pitchFamily="34" charset="-120"/>
-              </a:rPr>
-              <a:t>主必快來  主必快來</a:t>
-            </a:r>
-          </a:p>
-          <a:p>
-            <a:pPr marL="0" indent="0" algn="ctr">
-              <a:buNone/>
-            </a:pPr>
-            <a:r>
-              <a:rPr lang="zh-TW" altLang="en-US" sz="5400" b="1" dirty="0">
-                <a:solidFill>
-                  <a:srgbClr val="002060"/>
-                </a:solidFill>
-                <a:latin typeface="Microsoft JhengHei" panose="020B0604030504040204" pitchFamily="34" charset="-120"/>
-                <a:ea typeface="Microsoft JhengHei" panose="020B0604030504040204" pitchFamily="34" charset="-120"/>
-              </a:rPr>
-              <a:t>我們必歡迎救主再來</a:t>
-            </a:r>
-          </a:p>
-          <a:p>
-            <a:pPr marL="0" indent="0" algn="ctr">
-              <a:buNone/>
-            </a:pPr>
-            <a:r>
-              <a:rPr lang="zh-TW" altLang="en-US" sz="5400" b="1" dirty="0">
-                <a:solidFill>
-                  <a:srgbClr val="002060"/>
-                </a:solidFill>
-                <a:latin typeface="Microsoft JhengHei" panose="020B0604030504040204" pitchFamily="34" charset="-120"/>
-                <a:ea typeface="Microsoft JhengHei" panose="020B0604030504040204" pitchFamily="34" charset="-120"/>
-              </a:rPr>
-              <a:t>或在早晨或正午或夜半</a:t>
-            </a:r>
-          </a:p>
-          <a:p>
-            <a:pPr marL="0" indent="0" algn="ctr">
-              <a:buNone/>
-            </a:pPr>
-            <a:r>
-              <a:rPr lang="zh-TW" altLang="en-US" sz="5400" b="1" dirty="0">
-                <a:solidFill>
-                  <a:srgbClr val="002060"/>
-                </a:solidFill>
-                <a:latin typeface="Microsoft JhengHei" panose="020B0604030504040204" pitchFamily="34" charset="-120"/>
-                <a:ea typeface="Microsoft JhengHei" panose="020B0604030504040204" pitchFamily="34" charset="-120"/>
-              </a:rPr>
-              <a:t>我知主快再來</a:t>
-            </a:r>
+              <a:t>( 2 )</a:t>
+            </a:r>
+            <a:endParaRPr lang="vi-VN" sz="5400" b="1" dirty="0">
+              <a:solidFill>
+                <a:srgbClr val="660033"/>
+              </a:solidFill>
+            </a:endParaRPr>
           </a:p>
         </p:txBody>
       </p:sp>
     </p:spTree>
     <p:extLst>
       <p:ext uri="{BB962C8B-B14F-4D97-AF65-F5344CB8AC3E}">
-        <p14:creationId xmlns:p14="http://schemas.microsoft.com/office/powerpoint/2010/main" val="1988751002"/>
+        <p14:creationId xmlns:p14="http://schemas.microsoft.com/office/powerpoint/2010/main" val="2840161192"/>
       </p:ext>
     </p:extLst>
   </p:cSld>
   <p:clrMapOvr>
     <a:masterClrMapping/>
   </p:clrMapOvr>
+  <p:timing>
+    <p:tnLst>
+      <p:par>
+        <p:cTn id="1" dur="indefinite" restart="never" nodeType="tmRoot"/>
+      </p:par>
+    </p:tnLst>
+  </p:timing>
 </p:sld>
 </file>
 
@@ -4812,154 +5405,82 @@
       </p:grpSpPr>
       <p:sp>
         <p:nvSpPr>
-          <p:cNvPr id="4" name="Title 3"/>
-          <p:cNvSpPr>
-            <a:spLocks noGrp="1"/>
-          </p:cNvSpPr>
-          <p:nvPr>
-            <p:ph type="title"/>
-          </p:nvPr>
-        </p:nvSpPr>
-        <p:spPr/>
-        <p:txBody>
-          <a:bodyPr>
+          <p:cNvPr id="5" name="內容版面配置區 4"/>
+          <p:cNvSpPr>
+            <a:spLocks noGrp="1"/>
+          </p:cNvSpPr>
+          <p:nvPr>
+            <p:ph idx="1"/>
+          </p:nvPr>
+        </p:nvSpPr>
+        <p:spPr>
+          <a:xfrm>
+            <a:off x="0" y="2084853"/>
+            <a:ext cx="12192000" cy="2404863"/>
+          </a:xfrm>
+        </p:spPr>
+        <p:txBody>
+          <a:bodyPr anchor="ctr">
             <a:normAutofit/>
           </a:bodyPr>
           <a:lstStyle/>
           <a:p>
-            <a:r>
-              <a:rPr lang="en-US" altLang="zh-CN" sz="4800" b="1" dirty="0">
-                <a:solidFill>
-                  <a:srgbClr val="002060"/>
+            <a:pPr marL="0" indent="0" algn="ctr">
+              <a:buNone/>
+            </a:pPr>
+            <a:r>
+              <a:rPr lang="zh-TW" altLang="en-US" sz="6400" b="1" dirty="0">
+                <a:solidFill>
+                  <a:srgbClr val="660033"/>
                 </a:solidFill>
                 <a:latin typeface="Microsoft JhengHei" panose="020B0604030504040204" pitchFamily="34" charset="-120"/>
                 <a:ea typeface="Microsoft JhengHei" panose="020B0604030504040204" pitchFamily="34" charset="-120"/>
               </a:rPr>
-              <a:t>【</a:t>
-            </a:r>
-            <a:r>
-              <a:rPr lang="zh-CN" altLang="en-US" sz="4800" b="1" dirty="0">
-                <a:solidFill>
-                  <a:srgbClr val="002060"/>
+              <a:t>上帝所召忠信見證</a:t>
+            </a:r>
+          </a:p>
+          <a:p>
+            <a:pPr marL="0" indent="0" algn="ctr">
+              <a:buNone/>
+            </a:pPr>
+            <a:r>
+              <a:rPr lang="zh-TW" altLang="en-US" sz="6400" b="1" dirty="0">
+                <a:solidFill>
+                  <a:srgbClr val="660033"/>
                 </a:solidFill>
                 <a:latin typeface="Microsoft JhengHei" panose="020B0604030504040204" pitchFamily="34" charset="-120"/>
                 <a:ea typeface="Microsoft JhengHei" panose="020B0604030504040204" pitchFamily="34" charset="-120"/>
               </a:rPr>
-              <a:t>主必快來</a:t>
-            </a:r>
-            <a:r>
-              <a:rPr lang="en-US" altLang="zh-CN" sz="4800" b="1" dirty="0">
-                <a:solidFill>
-                  <a:srgbClr val="002060"/>
-                </a:solidFill>
-                <a:latin typeface="Microsoft JhengHei" panose="020B0604030504040204" pitchFamily="34" charset="-120"/>
-                <a:ea typeface="Microsoft JhengHei" panose="020B0604030504040204" pitchFamily="34" charset="-120"/>
-              </a:rPr>
-              <a:t>】</a:t>
-            </a:r>
-          </a:p>
-        </p:txBody>
-      </p:sp>
-      <p:sp>
-        <p:nvSpPr>
-          <p:cNvPr id="5" name="Content Placeholder 4"/>
-          <p:cNvSpPr>
-            <a:spLocks noGrp="1"/>
-          </p:cNvSpPr>
-          <p:nvPr>
-            <p:ph idx="1"/>
-          </p:nvPr>
-        </p:nvSpPr>
-        <p:spPr/>
-        <p:txBody>
-          <a:bodyPr>
-            <a:normAutofit/>
-          </a:bodyPr>
-          <a:lstStyle/>
-          <a:p>
-            <a:pPr marL="0" indent="0" algn="ctr">
-              <a:buNone/>
-            </a:pPr>
-            <a:r>
-              <a:rPr lang="zh-TW" altLang="en-US" sz="5400" b="1" dirty="0">
-                <a:solidFill>
-                  <a:srgbClr val="002060"/>
-                </a:solidFill>
-                <a:latin typeface="Microsoft JhengHei" panose="020B0604030504040204" pitchFamily="34" charset="-120"/>
-                <a:ea typeface="Microsoft JhengHei" panose="020B0604030504040204" pitchFamily="34" charset="-120"/>
-              </a:rPr>
-              <a:t>我等活著存留信徒</a:t>
-            </a:r>
-          </a:p>
-          <a:p>
-            <a:pPr marL="0" indent="0" algn="ctr">
-              <a:buNone/>
-            </a:pPr>
-            <a:r>
-              <a:rPr lang="zh-TW" altLang="en-US" sz="5400" b="1" dirty="0">
-                <a:solidFill>
-                  <a:srgbClr val="002060"/>
-                </a:solidFill>
-                <a:latin typeface="Microsoft JhengHei" panose="020B0604030504040204" pitchFamily="34" charset="-120"/>
-                <a:ea typeface="Microsoft JhengHei" panose="020B0604030504040204" pitchFamily="34" charset="-120"/>
-              </a:rPr>
-              <a:t>眨眼之間身體改變</a:t>
-            </a:r>
-          </a:p>
-          <a:p>
-            <a:pPr marL="0" indent="0" algn="ctr">
-              <a:buNone/>
-            </a:pPr>
-            <a:r>
-              <a:rPr lang="zh-TW" altLang="en-US" sz="5400" b="1" dirty="0">
-                <a:solidFill>
-                  <a:srgbClr val="002060"/>
-                </a:solidFill>
-                <a:latin typeface="Microsoft JhengHei" panose="020B0604030504040204" pitchFamily="34" charset="-120"/>
-                <a:ea typeface="Microsoft JhengHei" panose="020B0604030504040204" pitchFamily="34" charset="-120"/>
-              </a:rPr>
-              <a:t>被提天空與主相見</a:t>
-            </a:r>
-          </a:p>
-          <a:p>
-            <a:pPr marL="0" indent="0" algn="ctr">
-              <a:buNone/>
-            </a:pPr>
-            <a:r>
-              <a:rPr lang="zh-TW" altLang="en-US" sz="5400" b="1" dirty="0">
-                <a:solidFill>
-                  <a:srgbClr val="002060"/>
-                </a:solidFill>
-                <a:latin typeface="Microsoft JhengHei" panose="020B0604030504040204" pitchFamily="34" charset="-120"/>
-                <a:ea typeface="Microsoft JhengHei" panose="020B0604030504040204" pitchFamily="34" charset="-120"/>
-              </a:rPr>
-              <a:t>我等用此盼望互相勸勉</a:t>
-            </a:r>
-          </a:p>
-        </p:txBody>
-      </p:sp>
-      <p:sp>
-        <p:nvSpPr>
-          <p:cNvPr id="6" name="Text Box 1"/>
+              <a:t>高聲傳我救主必快來到</a:t>
+            </a:r>
+            <a:endParaRPr lang="zh-TW" altLang="en-US" sz="6400" b="1" dirty="0">
+              <a:solidFill>
+                <a:srgbClr val="660033"/>
+              </a:solidFill>
+              <a:latin typeface="Microsoft JhengHei" panose="020B0604030504040204" pitchFamily="34" charset="-120"/>
+              <a:ea typeface="Microsoft JhengHei" panose="020B0604030504040204" pitchFamily="34" charset="-120"/>
+            </a:endParaRPr>
+          </a:p>
+        </p:txBody>
+      </p:sp>
+      <p:sp>
+        <p:nvSpPr>
+          <p:cNvPr id="3" name="TextBox 2"/>
           <p:cNvSpPr txBox="1"/>
           <p:nvPr/>
         </p:nvSpPr>
         <p:spPr>
           <a:xfrm>
-            <a:off x="1199456" y="1700808"/>
-            <a:ext cx="1380490" cy="923330"/>
+            <a:off x="0" y="5071885"/>
+            <a:ext cx="12192000" cy="923330"/>
           </a:xfrm>
           <a:prstGeom prst="rect">
             <a:avLst/>
           </a:prstGeom>
           <a:noFill/>
-          <a:ln w="9525">
-            <a:noFill/>
-            <a:miter lim="800000"/>
-          </a:ln>
         </p:spPr>
         <p:txBody>
-          <a:bodyPr wrap="square">
+          <a:bodyPr wrap="square" rtlCol="0">
             <a:spAutoFit/>
           </a:bodyPr>
           <a:lstStyle/>
@@ -4968,22 +5489,14 @@
             <a:r>
               <a:rPr lang="en-US" sz="5400" b="1" dirty="0">
                 <a:solidFill>
-                  <a:srgbClr val="002060"/>
+                  <a:srgbClr val="660033"/>
                 </a:solidFill>
               </a:rPr>
-              <a:t>4</a:t>
-            </a:r>
-            <a:r>
-              <a:rPr lang="en-US" sz="5400" b="1" dirty="0" smtClean="0">
-                <a:solidFill>
-                  <a:srgbClr val="002060"/>
-                </a:solidFill>
-              </a:rPr>
-              <a:t>.</a:t>
-            </a:r>
-            <a:endParaRPr lang="en-US" sz="5400" b="1" dirty="0">
+              <a:t>( 2 )</a:t>
+            </a:r>
+            <a:endParaRPr lang="vi-VN" sz="5400" b="1" dirty="0">
               <a:solidFill>
-                <a:srgbClr val="002060"/>
+                <a:srgbClr val="660033"/>
               </a:solidFill>
             </a:endParaRPr>
           </a:p>
@@ -4992,13 +5505,20 @@
     </p:spTree>
     <p:extLst>
       <p:ext uri="{BB962C8B-B14F-4D97-AF65-F5344CB8AC3E}">
-        <p14:creationId xmlns:p14="http://schemas.microsoft.com/office/powerpoint/2010/main" val="1333231517"/>
+        <p14:creationId xmlns:p14="http://schemas.microsoft.com/office/powerpoint/2010/main" val="2840031455"/>
       </p:ext>
     </p:extLst>
   </p:cSld>
   <p:clrMapOvr>
     <a:masterClrMapping/>
   </p:clrMapOvr>
+  <p:timing>
+    <p:tnLst>
+      <p:par>
+        <p:cTn id="1" dur="indefinite" restart="never" nodeType="tmRoot"/>
+      </p:par>
+    </p:tnLst>
+  </p:timing>
 </p:sld>
 </file>
 
@@ -5021,78 +5541,33 @@
       </p:grpSpPr>
       <p:sp>
         <p:nvSpPr>
-          <p:cNvPr id="4" name="Title 3"/>
-          <p:cNvSpPr>
-            <a:spLocks noGrp="1"/>
-          </p:cNvSpPr>
-          <p:nvPr>
-            <p:ph type="title"/>
-          </p:nvPr>
-        </p:nvSpPr>
-        <p:spPr/>
-        <p:txBody>
-          <a:bodyPr>
+          <p:cNvPr id="5" name="內容版面配置區 4"/>
+          <p:cNvSpPr>
+            <a:spLocks noGrp="1"/>
+          </p:cNvSpPr>
+          <p:nvPr>
+            <p:ph idx="1"/>
+          </p:nvPr>
+        </p:nvSpPr>
+        <p:spPr>
+          <a:xfrm>
+            <a:off x="0" y="2084853"/>
+            <a:ext cx="12192000" cy="2404863"/>
+          </a:xfrm>
+        </p:spPr>
+        <p:txBody>
+          <a:bodyPr anchor="ctr">
             <a:normAutofit/>
           </a:bodyPr>
           <a:lstStyle/>
           <a:p>
-            <a:r>
-              <a:rPr lang="en-US" altLang="zh-CN" sz="4800" b="1" dirty="0">
-                <a:solidFill>
-                  <a:srgbClr val="002060"/>
-                </a:solidFill>
-                <a:latin typeface="Microsoft JhengHei" panose="020B0604030504040204" pitchFamily="34" charset="-120"/>
-                <a:ea typeface="Microsoft JhengHei" panose="020B0604030504040204" pitchFamily="34" charset="-120"/>
-              </a:rPr>
-              <a:t>【</a:t>
-            </a:r>
-            <a:r>
-              <a:rPr lang="zh-CN" altLang="en-US" sz="4800" b="1" dirty="0">
-                <a:solidFill>
-                  <a:srgbClr val="002060"/>
-                </a:solidFill>
-                <a:latin typeface="Microsoft JhengHei" panose="020B0604030504040204" pitchFamily="34" charset="-120"/>
-                <a:ea typeface="Microsoft JhengHei" panose="020B0604030504040204" pitchFamily="34" charset="-120"/>
-              </a:rPr>
-              <a:t>主必快來</a:t>
-            </a:r>
-            <a:r>
-              <a:rPr lang="en-US" altLang="zh-CN" sz="4800" b="1" dirty="0">
-                <a:solidFill>
-                  <a:srgbClr val="002060"/>
-                </a:solidFill>
-                <a:latin typeface="Microsoft JhengHei" panose="020B0604030504040204" pitchFamily="34" charset="-120"/>
-                <a:ea typeface="Microsoft JhengHei" panose="020B0604030504040204" pitchFamily="34" charset="-120"/>
-              </a:rPr>
-              <a:t>】</a:t>
-            </a:r>
-          </a:p>
-        </p:txBody>
-      </p:sp>
-      <p:sp>
-        <p:nvSpPr>
-          <p:cNvPr id="5" name="Content Placeholder 4"/>
-          <p:cNvSpPr>
-            <a:spLocks noGrp="1"/>
-          </p:cNvSpPr>
-          <p:nvPr>
-            <p:ph idx="1"/>
-          </p:nvPr>
-        </p:nvSpPr>
-        <p:spPr/>
-        <p:txBody>
-          <a:bodyPr>
-            <a:normAutofit/>
-          </a:bodyPr>
-          <a:lstStyle/>
-          <a:p>
             <a:pPr marL="0" indent="0" algn="ctr">
               <a:buNone/>
             </a:pPr>
             <a:r>
-              <a:rPr lang="zh-TW" altLang="en-US" sz="5400" b="1" dirty="0">
-                <a:solidFill>
-                  <a:srgbClr val="002060"/>
+              <a:rPr lang="zh-TW" altLang="en-US" sz="6400" b="1" dirty="0">
+                <a:solidFill>
+                  <a:srgbClr val="660033"/>
                 </a:solidFill>
                 <a:latin typeface="Microsoft JhengHei" panose="020B0604030504040204" pitchFamily="34" charset="-120"/>
                 <a:ea typeface="Microsoft JhengHei" panose="020B0604030504040204" pitchFamily="34" charset="-120"/>
@@ -5105,9 +5580,9 @@
               <a:buNone/>
             </a:pPr>
             <a:r>
-              <a:rPr lang="zh-TW" altLang="en-US" sz="5400" b="1" dirty="0">
-                <a:solidFill>
-                  <a:srgbClr val="002060"/>
+              <a:rPr lang="zh-TW" altLang="en-US" sz="6400" b="1" dirty="0">
+                <a:solidFill>
+                  <a:srgbClr val="660033"/>
                 </a:solidFill>
                 <a:latin typeface="Microsoft JhengHei" panose="020B0604030504040204" pitchFamily="34" charset="-120"/>
                 <a:ea typeface="Microsoft JhengHei" panose="020B0604030504040204" pitchFamily="34" charset="-120"/>
@@ -5115,48 +5590,115 @@
               <a:t>我們必歡迎救主再來</a:t>
             </a:r>
           </a:p>
-          <a:p>
-            <a:pPr marL="0" indent="0" algn="ctr">
-              <a:buNone/>
-            </a:pPr>
-            <a:r>
-              <a:rPr lang="zh-TW" altLang="en-US" sz="5400" b="1" dirty="0">
-                <a:solidFill>
-                  <a:srgbClr val="002060"/>
-                </a:solidFill>
-                <a:latin typeface="Microsoft JhengHei" panose="020B0604030504040204" pitchFamily="34" charset="-120"/>
-                <a:ea typeface="Microsoft JhengHei" panose="020B0604030504040204" pitchFamily="34" charset="-120"/>
-              </a:rPr>
-              <a:t>或在早晨或正午或夜半</a:t>
-            </a:r>
-          </a:p>
-          <a:p>
-            <a:pPr marL="0" indent="0" algn="ctr">
-              <a:buNone/>
-            </a:pPr>
-            <a:r>
-              <a:rPr lang="zh-TW" altLang="en-US" sz="5400" b="1" dirty="0">
-                <a:solidFill>
-                  <a:srgbClr val="002060"/>
-                </a:solidFill>
-                <a:latin typeface="Microsoft JhengHei" panose="020B0604030504040204" pitchFamily="34" charset="-120"/>
-                <a:ea typeface="Microsoft JhengHei" panose="020B0604030504040204" pitchFamily="34" charset="-120"/>
-              </a:rPr>
-              <a:t>我知主快再來</a:t>
-            </a:r>
-          </a:p>
         </p:txBody>
       </p:sp>
     </p:spTree>
     <p:extLst>
       <p:ext uri="{BB962C8B-B14F-4D97-AF65-F5344CB8AC3E}">
-        <p14:creationId xmlns:p14="http://schemas.microsoft.com/office/powerpoint/2010/main" val="83721729"/>
+        <p14:creationId xmlns:p14="http://schemas.microsoft.com/office/powerpoint/2010/main" val="2144488951"/>
       </p:ext>
     </p:extLst>
   </p:cSld>
   <p:clrMapOvr>
     <a:masterClrMapping/>
   </p:clrMapOvr>
+  <p:timing>
+    <p:tnLst>
+      <p:par>
+        <p:cTn id="1" dur="indefinite" restart="never" nodeType="tmRoot"/>
+      </p:par>
+    </p:tnLst>
+  </p:timing>
+</p:sld>
+</file>
+
+<file path=ppt/slides/slide9.xml><?xml version="1.0" encoding="utf-8"?>
+<p:sld xmlns:a="http://schemas.openxmlformats.org/drawingml/2006/main" xmlns:r="http://schemas.openxmlformats.org/officeDocument/2006/relationships" xmlns:p="http://schemas.openxmlformats.org/presentationml/2006/main">
+  <p:cSld>
+    <p:spTree>
+      <p:nvGrpSpPr>
+        <p:cNvPr id="1" name=""/>
+        <p:cNvGrpSpPr/>
+        <p:nvPr/>
+      </p:nvGrpSpPr>
+      <p:grpSpPr>
+        <a:xfrm>
+          <a:off x="0" y="0"/>
+          <a:ext cx="0" cy="0"/>
+          <a:chOff x="0" y="0"/>
+          <a:chExt cx="0" cy="0"/>
+        </a:xfrm>
+      </p:grpSpPr>
+      <p:sp>
+        <p:nvSpPr>
+          <p:cNvPr id="5" name="內容版面配置區 4"/>
+          <p:cNvSpPr>
+            <a:spLocks noGrp="1"/>
+          </p:cNvSpPr>
+          <p:nvPr>
+            <p:ph idx="1"/>
+          </p:nvPr>
+        </p:nvSpPr>
+        <p:spPr>
+          <a:xfrm>
+            <a:off x="0" y="2084853"/>
+            <a:ext cx="12192000" cy="2404863"/>
+          </a:xfrm>
+        </p:spPr>
+        <p:txBody>
+          <a:bodyPr anchor="ctr">
+            <a:normAutofit/>
+          </a:bodyPr>
+          <a:lstStyle/>
+          <a:p>
+            <a:pPr marL="0" indent="0" algn="ctr">
+              <a:buNone/>
+            </a:pPr>
+            <a:r>
+              <a:rPr lang="zh-TW" altLang="en-US" sz="6400" b="1" dirty="0">
+                <a:solidFill>
+                  <a:srgbClr val="660033"/>
+                </a:solidFill>
+                <a:latin typeface="Microsoft JhengHei" panose="020B0604030504040204" pitchFamily="34" charset="-120"/>
+                <a:ea typeface="Microsoft JhengHei" panose="020B0604030504040204" pitchFamily="34" charset="-120"/>
+              </a:rPr>
+              <a:t>或在早晨或正午或夜半</a:t>
+            </a:r>
+          </a:p>
+          <a:p>
+            <a:pPr marL="0" indent="0" algn="ctr">
+              <a:buNone/>
+            </a:pPr>
+            <a:r>
+              <a:rPr lang="zh-TW" altLang="en-US" sz="6400" b="1" dirty="0">
+                <a:solidFill>
+                  <a:srgbClr val="660033"/>
+                </a:solidFill>
+                <a:latin typeface="Microsoft JhengHei" panose="020B0604030504040204" pitchFamily="34" charset="-120"/>
+                <a:ea typeface="Microsoft JhengHei" panose="020B0604030504040204" pitchFamily="34" charset="-120"/>
+              </a:rPr>
+              <a:t>我知主快再來</a:t>
+            </a:r>
+          </a:p>
+        </p:txBody>
+      </p:sp>
+    </p:spTree>
+    <p:extLst>
+      <p:ext uri="{BB962C8B-B14F-4D97-AF65-F5344CB8AC3E}">
+        <p14:creationId xmlns:p14="http://schemas.microsoft.com/office/powerpoint/2010/main" val="1841030518"/>
+      </p:ext>
+    </p:extLst>
+  </p:cSld>
+  <p:clrMapOvr>
+    <a:masterClrMapping/>
+  </p:clrMapOvr>
+  <p:timing>
+    <p:tnLst>
+      <p:par>
+        <p:cTn id="1" dur="indefinite" restart="never" nodeType="tmRoot"/>
+      </p:par>
+    </p:tnLst>
+  </p:timing>
 </p:sld>
 </file>
 

--- a/宣道詩/(宣道詩149) 主必快來.pptx
+++ b/宣道詩/(宣道詩149) 主必快來.pptx
@@ -3835,24 +3835,7 @@
                 <a:latin typeface="微軟正黑體" pitchFamily="34" charset="-120"/>
                 <a:ea typeface="微軟正黑體" pitchFamily="34" charset="-120"/>
               </a:rPr>
-              <a:t>主</a:t>
-            </a:r>
-            <a:r>
-              <a:rPr lang="zh-CN" altLang="en-US" sz="8000" b="1" dirty="0">
-                <a:solidFill>
-                  <a:srgbClr val="660033"/>
-                </a:solidFill>
-                <a:effectLst>
-                  <a:outerShdw blurRad="38100" dist="38100" dir="2700000" algn="tl">
-                    <a:srgbClr val="000000">
-                      <a:alpha val="43137"/>
-                    </a:srgbClr>
-                  </a:outerShdw>
-                </a:effectLst>
-                <a:latin typeface="微軟正黑體" pitchFamily="34" charset="-120"/>
-                <a:ea typeface="微軟正黑體" pitchFamily="34" charset="-120"/>
-              </a:rPr>
-              <a:t>必快來</a:t>
+              <a:t>主必快來</a:t>
             </a:r>
             <a:endParaRPr lang="zh-TW" altLang="en-US" sz="8000" b="1" dirty="0">
               <a:solidFill>
@@ -3958,13 +3941,6 @@
               </a:rPr>
               <a:t>主再來時都要復活</a:t>
             </a:r>
-            <a:endParaRPr lang="zh-TW" altLang="en-US" sz="6400" b="1" dirty="0">
-              <a:solidFill>
-                <a:srgbClr val="660033"/>
-              </a:solidFill>
-              <a:latin typeface="Microsoft JhengHei" panose="020B0604030504040204" pitchFamily="34" charset="-120"/>
-              <a:ea typeface="Microsoft JhengHei" panose="020B0604030504040204" pitchFamily="34" charset="-120"/>
-            </a:endParaRPr>
           </a:p>
         </p:txBody>
       </p:sp>
@@ -3977,7 +3953,7 @@
         <p:spPr>
           <a:xfrm>
             <a:off x="0" y="5071885"/>
-            <a:ext cx="12192000" cy="923330"/>
+            <a:ext cx="12192000" cy="707886"/>
           </a:xfrm>
           <a:prstGeom prst="rect">
             <a:avLst/>
@@ -3992,14 +3968,30 @@
           <a:p>
             <a:pPr algn="ctr"/>
             <a:r>
-              <a:rPr lang="en-US" sz="5400" b="1" dirty="0">
+              <a:rPr lang="en-US" sz="4000" b="1" dirty="0">
                 <a:solidFill>
                   <a:srgbClr val="660033"/>
                 </a:solidFill>
               </a:rPr>
-              <a:t>( 3 )</a:t>
-            </a:r>
-            <a:endParaRPr lang="vi-VN" sz="5400" b="1" dirty="0">
+              <a:t>( </a:t>
+            </a:r>
+            <a:r>
+              <a:rPr lang="en-US" sz="4000" b="1" dirty="0" smtClean="0">
+                <a:solidFill>
+                  <a:srgbClr val="660033"/>
+                </a:solidFill>
+              </a:rPr>
+              <a:t>3 </a:t>
+            </a:r>
+            <a:r>
+              <a:rPr lang="en-US" sz="4000" b="1" dirty="0">
+                <a:solidFill>
+                  <a:srgbClr val="660033"/>
+                </a:solidFill>
+              </a:rPr>
+              <a:t>/ 4 )</a:t>
+            </a:r>
+            <a:endParaRPr lang="vi-VN" sz="4000" b="1" dirty="0">
               <a:solidFill>
                 <a:srgbClr val="660033"/>
               </a:solidFill>
@@ -4094,13 +4086,6 @@
               </a:rPr>
               <a:t>主必來親設立快樂之國</a:t>
             </a:r>
-            <a:endParaRPr lang="zh-TW" altLang="en-US" sz="6400" b="1" dirty="0">
-              <a:solidFill>
-                <a:srgbClr val="660033"/>
-              </a:solidFill>
-              <a:latin typeface="Microsoft JhengHei" panose="020B0604030504040204" pitchFamily="34" charset="-120"/>
-              <a:ea typeface="Microsoft JhengHei" panose="020B0604030504040204" pitchFamily="34" charset="-120"/>
-            </a:endParaRPr>
           </a:p>
         </p:txBody>
       </p:sp>
@@ -4113,7 +4098,7 @@
         <p:spPr>
           <a:xfrm>
             <a:off x="0" y="5071885"/>
-            <a:ext cx="12192000" cy="923330"/>
+            <a:ext cx="12192000" cy="707886"/>
           </a:xfrm>
           <a:prstGeom prst="rect">
             <a:avLst/>
@@ -4128,14 +4113,14 @@
           <a:p>
             <a:pPr algn="ctr"/>
             <a:r>
-              <a:rPr lang="en-US" sz="5400" b="1" dirty="0">
+              <a:rPr lang="en-US" sz="4000" b="1" dirty="0">
                 <a:solidFill>
                   <a:srgbClr val="660033"/>
                 </a:solidFill>
               </a:rPr>
-              <a:t>( 3 )</a:t>
-            </a:r>
-            <a:endParaRPr lang="vi-VN" sz="5400" b="1" dirty="0">
+              <a:t>( 3 / 4 )</a:t>
+            </a:r>
+            <a:endParaRPr lang="vi-VN" sz="4000" b="1" dirty="0">
               <a:solidFill>
                 <a:srgbClr val="660033"/>
               </a:solidFill>
@@ -4410,13 +4395,6 @@
               </a:rPr>
               <a:t>眨眼之間身體改變</a:t>
             </a:r>
-            <a:endParaRPr lang="zh-TW" altLang="en-US" sz="6400" b="1" dirty="0">
-              <a:solidFill>
-                <a:srgbClr val="660033"/>
-              </a:solidFill>
-              <a:latin typeface="Microsoft JhengHei" panose="020B0604030504040204" pitchFamily="34" charset="-120"/>
-              <a:ea typeface="Microsoft JhengHei" panose="020B0604030504040204" pitchFamily="34" charset="-120"/>
-            </a:endParaRPr>
           </a:p>
         </p:txBody>
       </p:sp>
@@ -4429,7 +4407,7 @@
         <p:spPr>
           <a:xfrm>
             <a:off x="0" y="5071885"/>
-            <a:ext cx="12192000" cy="923330"/>
+            <a:ext cx="12192000" cy="707886"/>
           </a:xfrm>
           <a:prstGeom prst="rect">
             <a:avLst/>
@@ -4444,14 +4422,30 @@
           <a:p>
             <a:pPr algn="ctr"/>
             <a:r>
-              <a:rPr lang="en-US" sz="5400" b="1" dirty="0">
+              <a:rPr lang="en-US" sz="4000" b="1" dirty="0">
                 <a:solidFill>
                   <a:srgbClr val="660033"/>
                 </a:solidFill>
               </a:rPr>
-              <a:t>( 4 )</a:t>
-            </a:r>
-            <a:endParaRPr lang="vi-VN" sz="5400" b="1" dirty="0">
+              <a:t>( </a:t>
+            </a:r>
+            <a:r>
+              <a:rPr lang="en-US" sz="4000" b="1" dirty="0" smtClean="0">
+                <a:solidFill>
+                  <a:srgbClr val="660033"/>
+                </a:solidFill>
+              </a:rPr>
+              <a:t>4 </a:t>
+            </a:r>
+            <a:r>
+              <a:rPr lang="en-US" sz="4000" b="1" dirty="0">
+                <a:solidFill>
+                  <a:srgbClr val="660033"/>
+                </a:solidFill>
+              </a:rPr>
+              <a:t>/ 4 )</a:t>
+            </a:r>
+            <a:endParaRPr lang="vi-VN" sz="4000" b="1" dirty="0">
               <a:solidFill>
                 <a:srgbClr val="660033"/>
               </a:solidFill>
@@ -4546,13 +4540,6 @@
               </a:rPr>
               <a:t>我等用此盼望互相勸勉</a:t>
             </a:r>
-            <a:endParaRPr lang="zh-TW" altLang="en-US" sz="6400" b="1" dirty="0">
-              <a:solidFill>
-                <a:srgbClr val="660033"/>
-              </a:solidFill>
-              <a:latin typeface="Microsoft JhengHei" panose="020B0604030504040204" pitchFamily="34" charset="-120"/>
-              <a:ea typeface="Microsoft JhengHei" panose="020B0604030504040204" pitchFamily="34" charset="-120"/>
-            </a:endParaRPr>
           </a:p>
         </p:txBody>
       </p:sp>
@@ -4565,7 +4552,7 @@
         <p:spPr>
           <a:xfrm>
             <a:off x="0" y="5071885"/>
-            <a:ext cx="12192000" cy="923330"/>
+            <a:ext cx="12192000" cy="707886"/>
           </a:xfrm>
           <a:prstGeom prst="rect">
             <a:avLst/>
@@ -4580,14 +4567,14 @@
           <a:p>
             <a:pPr algn="ctr"/>
             <a:r>
-              <a:rPr lang="en-US" sz="5400" b="1" dirty="0">
+              <a:rPr lang="en-US" sz="4000" b="1" dirty="0">
                 <a:solidFill>
                   <a:srgbClr val="660033"/>
                 </a:solidFill>
               </a:rPr>
-              <a:t>( 4 )</a:t>
-            </a:r>
-            <a:endParaRPr lang="vi-VN" sz="5400" b="1" dirty="0">
+              <a:t>( 4 / 4 )</a:t>
+            </a:r>
+            <a:endParaRPr lang="vi-VN" sz="4000" b="1" dirty="0">
               <a:solidFill>
                 <a:srgbClr val="660033"/>
               </a:solidFill>
@@ -4845,17 +4832,7 @@
                 <a:latin typeface="Microsoft JhengHei" panose="020B0604030504040204" pitchFamily="34" charset="-120"/>
                 <a:ea typeface="Microsoft JhengHei" panose="020B0604030504040204" pitchFamily="34" charset="-120"/>
               </a:rPr>
-              <a:t>黑</a:t>
-            </a:r>
-            <a:r>
-              <a:rPr lang="zh-TW" altLang="en-US" sz="6400" b="1" dirty="0">
-                <a:solidFill>
-                  <a:srgbClr val="660033"/>
-                </a:solidFill>
-                <a:latin typeface="Microsoft JhengHei" panose="020B0604030504040204" pitchFamily="34" charset="-120"/>
-                <a:ea typeface="Microsoft JhengHei" panose="020B0604030504040204" pitchFamily="34" charset="-120"/>
-              </a:rPr>
-              <a:t>夜已深白晝將近</a:t>
+              <a:t>黑夜已深白晝將近</a:t>
             </a:r>
           </a:p>
           <a:p>
@@ -4884,7 +4861,7 @@
         <p:spPr>
           <a:xfrm>
             <a:off x="0" y="5071885"/>
-            <a:ext cx="12192000" cy="923330"/>
+            <a:ext cx="12192000" cy="707886"/>
           </a:xfrm>
           <a:prstGeom prst="rect">
             <a:avLst/>
@@ -4899,14 +4876,30 @@
           <a:p>
             <a:pPr algn="ctr"/>
             <a:r>
-              <a:rPr lang="en-US" sz="5400" b="1" dirty="0">
+              <a:rPr lang="en-US" sz="4000" b="1" dirty="0">
                 <a:solidFill>
                   <a:srgbClr val="660033"/>
                 </a:solidFill>
               </a:rPr>
-              <a:t>( 1 )</a:t>
-            </a:r>
-            <a:endParaRPr lang="vi-VN" sz="5400" b="1" dirty="0">
+              <a:t>( </a:t>
+            </a:r>
+            <a:r>
+              <a:rPr lang="en-US" sz="4000" b="1" dirty="0" smtClean="0">
+                <a:solidFill>
+                  <a:srgbClr val="660033"/>
+                </a:solidFill>
+              </a:rPr>
+              <a:t>1 / 4 </a:t>
+            </a:r>
+            <a:r>
+              <a:rPr lang="en-US" sz="4000" b="1" dirty="0">
+                <a:solidFill>
+                  <a:srgbClr val="660033"/>
+                </a:solidFill>
+              </a:rPr>
+              <a:t>)</a:t>
+            </a:r>
+            <a:endParaRPr lang="vi-VN" sz="4000" b="1" dirty="0">
               <a:solidFill>
                 <a:srgbClr val="660033"/>
               </a:solidFill>
@@ -5001,13 +4994,6 @@
               </a:rPr>
               <a:t>主為萬王之王萬主之主</a:t>
             </a:r>
-            <a:endParaRPr lang="zh-TW" altLang="en-US" sz="6400" b="1" dirty="0">
-              <a:solidFill>
-                <a:srgbClr val="660033"/>
-              </a:solidFill>
-              <a:latin typeface="Microsoft JhengHei" panose="020B0604030504040204" pitchFamily="34" charset="-120"/>
-              <a:ea typeface="Microsoft JhengHei" panose="020B0604030504040204" pitchFamily="34" charset="-120"/>
-            </a:endParaRPr>
           </a:p>
         </p:txBody>
       </p:sp>
@@ -5020,7 +5006,7 @@
         <p:spPr>
           <a:xfrm>
             <a:off x="0" y="5071885"/>
-            <a:ext cx="12192000" cy="923330"/>
+            <a:ext cx="12192000" cy="707886"/>
           </a:xfrm>
           <a:prstGeom prst="rect">
             <a:avLst/>
@@ -5035,14 +5021,14 @@
           <a:p>
             <a:pPr algn="ctr"/>
             <a:r>
-              <a:rPr lang="en-US" sz="5400" b="1" dirty="0">
+              <a:rPr lang="en-US" sz="4000" b="1" dirty="0">
                 <a:solidFill>
                   <a:srgbClr val="660033"/>
                 </a:solidFill>
               </a:rPr>
-              <a:t>( 1 )</a:t>
-            </a:r>
-            <a:endParaRPr lang="vi-VN" sz="5400" b="1" dirty="0">
+              <a:t>( 1 / 4 )</a:t>
+            </a:r>
+            <a:endParaRPr lang="vi-VN" sz="4000" b="1" dirty="0">
               <a:solidFill>
                 <a:srgbClr val="660033"/>
               </a:solidFill>
@@ -5317,13 +5303,6 @@
               </a:rPr>
               <a:t>明星如晝都是預兆</a:t>
             </a:r>
-            <a:endParaRPr lang="zh-TW" altLang="en-US" sz="6400" b="1" dirty="0">
-              <a:solidFill>
-                <a:srgbClr val="660033"/>
-              </a:solidFill>
-              <a:latin typeface="Microsoft JhengHei" panose="020B0604030504040204" pitchFamily="34" charset="-120"/>
-              <a:ea typeface="Microsoft JhengHei" panose="020B0604030504040204" pitchFamily="34" charset="-120"/>
-            </a:endParaRPr>
           </a:p>
         </p:txBody>
       </p:sp>
@@ -5336,7 +5315,7 @@
         <p:spPr>
           <a:xfrm>
             <a:off x="0" y="5071885"/>
-            <a:ext cx="12192000" cy="923330"/>
+            <a:ext cx="12192000" cy="707886"/>
           </a:xfrm>
           <a:prstGeom prst="rect">
             <a:avLst/>
@@ -5351,14 +5330,30 @@
           <a:p>
             <a:pPr algn="ctr"/>
             <a:r>
-              <a:rPr lang="en-US" sz="5400" b="1" dirty="0">
+              <a:rPr lang="en-US" sz="4000" b="1" dirty="0">
                 <a:solidFill>
                   <a:srgbClr val="660033"/>
                 </a:solidFill>
               </a:rPr>
-              <a:t>( 2 )</a:t>
-            </a:r>
-            <a:endParaRPr lang="vi-VN" sz="5400" b="1" dirty="0">
+              <a:t>( </a:t>
+            </a:r>
+            <a:r>
+              <a:rPr lang="en-US" sz="4000" b="1" dirty="0" smtClean="0">
+                <a:solidFill>
+                  <a:srgbClr val="660033"/>
+                </a:solidFill>
+              </a:rPr>
+              <a:t>2 </a:t>
+            </a:r>
+            <a:r>
+              <a:rPr lang="en-US" sz="4000" b="1" dirty="0">
+                <a:solidFill>
+                  <a:srgbClr val="660033"/>
+                </a:solidFill>
+              </a:rPr>
+              <a:t>/ 4 )</a:t>
+            </a:r>
+            <a:endParaRPr lang="vi-VN" sz="4000" b="1" dirty="0">
               <a:solidFill>
                 <a:srgbClr val="660033"/>
               </a:solidFill>
@@ -5453,13 +5448,6 @@
               </a:rPr>
               <a:t>高聲傳我救主必快來到</a:t>
             </a:r>
-            <a:endParaRPr lang="zh-TW" altLang="en-US" sz="6400" b="1" dirty="0">
-              <a:solidFill>
-                <a:srgbClr val="660033"/>
-              </a:solidFill>
-              <a:latin typeface="Microsoft JhengHei" panose="020B0604030504040204" pitchFamily="34" charset="-120"/>
-              <a:ea typeface="Microsoft JhengHei" panose="020B0604030504040204" pitchFamily="34" charset="-120"/>
-            </a:endParaRPr>
           </a:p>
         </p:txBody>
       </p:sp>
@@ -5472,7 +5460,7 @@
         <p:spPr>
           <a:xfrm>
             <a:off x="0" y="5071885"/>
-            <a:ext cx="12192000" cy="923330"/>
+            <a:ext cx="12192000" cy="707886"/>
           </a:xfrm>
           <a:prstGeom prst="rect">
             <a:avLst/>
@@ -5487,14 +5475,14 @@
           <a:p>
             <a:pPr algn="ctr"/>
             <a:r>
-              <a:rPr lang="en-US" sz="5400" b="1" dirty="0">
+              <a:rPr lang="en-US" sz="4000" b="1" dirty="0">
                 <a:solidFill>
                   <a:srgbClr val="660033"/>
                 </a:solidFill>
               </a:rPr>
-              <a:t>( 2 )</a:t>
-            </a:r>
-            <a:endParaRPr lang="vi-VN" sz="5400" b="1" dirty="0">
+              <a:t>( 2 / 4 )</a:t>
+            </a:r>
+            <a:endParaRPr lang="vi-VN" sz="4000" b="1" dirty="0">
               <a:solidFill>
                 <a:srgbClr val="660033"/>
               </a:solidFill>

--- a/宣道詩/(宣道詩149) 主必快來.pptx
+++ b/宣道詩/(宣道詩149) 主必快來.pptx
@@ -3953,7 +3953,7 @@
         <p:spPr>
           <a:xfrm>
             <a:off x="0" y="5071885"/>
-            <a:ext cx="12192000" cy="707886"/>
+            <a:ext cx="12192000" cy="646331"/>
           </a:xfrm>
           <a:prstGeom prst="rect">
             <a:avLst/>
@@ -3968,33 +3968,37 @@
           <a:p>
             <a:pPr algn="ctr"/>
             <a:r>
-              <a:rPr lang="en-US" sz="4000" b="1" dirty="0">
+              <a:rPr lang="en-US" sz="3600" b="1" dirty="0">
                 <a:solidFill>
                   <a:srgbClr val="660033"/>
                 </a:solidFill>
+                <a:latin typeface="+mn-lt"/>
               </a:rPr>
               <a:t>( </a:t>
             </a:r>
             <a:r>
-              <a:rPr lang="en-US" sz="4000" b="1" dirty="0" smtClean="0">
+              <a:rPr lang="en-US" sz="3600" b="1" dirty="0">
                 <a:solidFill>
                   <a:srgbClr val="660033"/>
                 </a:solidFill>
+                <a:latin typeface="+mn-lt"/>
               </a:rPr>
               <a:t>3 </a:t>
             </a:r>
             <a:r>
-              <a:rPr lang="en-US" sz="4000" b="1" dirty="0">
+              <a:rPr lang="en-US" sz="3600" b="1" dirty="0">
                 <a:solidFill>
                   <a:srgbClr val="660033"/>
                 </a:solidFill>
+                <a:latin typeface="+mn-lt"/>
               </a:rPr>
               <a:t>/ 4 )</a:t>
             </a:r>
-            <a:endParaRPr lang="vi-VN" sz="4000" b="1" dirty="0">
+            <a:endParaRPr lang="vi-VN" sz="3600" b="1" dirty="0">
               <a:solidFill>
                 <a:srgbClr val="660033"/>
               </a:solidFill>
+              <a:latin typeface="+mn-lt"/>
             </a:endParaRPr>
           </a:p>
         </p:txBody>
@@ -4098,7 +4102,7 @@
         <p:spPr>
           <a:xfrm>
             <a:off x="0" y="5071885"/>
-            <a:ext cx="12192000" cy="707886"/>
+            <a:ext cx="12192000" cy="646331"/>
           </a:xfrm>
           <a:prstGeom prst="rect">
             <a:avLst/>
@@ -4113,17 +4117,19 @@
           <a:p>
             <a:pPr algn="ctr"/>
             <a:r>
-              <a:rPr lang="en-US" sz="4000" b="1" dirty="0">
+              <a:rPr lang="en-US" sz="3600" b="1" dirty="0">
                 <a:solidFill>
                   <a:srgbClr val="660033"/>
                 </a:solidFill>
+                <a:latin typeface="+mn-lt"/>
               </a:rPr>
               <a:t>( 3 / 4 )</a:t>
             </a:r>
-            <a:endParaRPr lang="vi-VN" sz="4000" b="1" dirty="0">
+            <a:endParaRPr lang="vi-VN" sz="3600" b="1" dirty="0">
               <a:solidFill>
                 <a:srgbClr val="660033"/>
               </a:solidFill>
+              <a:latin typeface="+mn-lt"/>
             </a:endParaRPr>
           </a:p>
         </p:txBody>
@@ -4407,7 +4413,7 @@
         <p:spPr>
           <a:xfrm>
             <a:off x="0" y="5071885"/>
-            <a:ext cx="12192000" cy="707886"/>
+            <a:ext cx="12192000" cy="646331"/>
           </a:xfrm>
           <a:prstGeom prst="rect">
             <a:avLst/>
@@ -4422,33 +4428,37 @@
           <a:p>
             <a:pPr algn="ctr"/>
             <a:r>
-              <a:rPr lang="en-US" sz="4000" b="1" dirty="0">
+              <a:rPr lang="en-US" sz="3600" b="1" dirty="0">
                 <a:solidFill>
                   <a:srgbClr val="660033"/>
                 </a:solidFill>
+                <a:latin typeface="+mn-lt"/>
               </a:rPr>
               <a:t>( </a:t>
             </a:r>
             <a:r>
-              <a:rPr lang="en-US" sz="4000" b="1" dirty="0" smtClean="0">
+              <a:rPr lang="en-US" sz="3600" b="1" dirty="0">
                 <a:solidFill>
                   <a:srgbClr val="660033"/>
                 </a:solidFill>
+                <a:latin typeface="+mn-lt"/>
               </a:rPr>
               <a:t>4 </a:t>
             </a:r>
             <a:r>
-              <a:rPr lang="en-US" sz="4000" b="1" dirty="0">
+              <a:rPr lang="en-US" sz="3600" b="1" dirty="0">
                 <a:solidFill>
                   <a:srgbClr val="660033"/>
                 </a:solidFill>
+                <a:latin typeface="+mn-lt"/>
               </a:rPr>
               <a:t>/ 4 )</a:t>
             </a:r>
-            <a:endParaRPr lang="vi-VN" sz="4000" b="1" dirty="0">
+            <a:endParaRPr lang="vi-VN" sz="3600" b="1" dirty="0">
               <a:solidFill>
                 <a:srgbClr val="660033"/>
               </a:solidFill>
+              <a:latin typeface="+mn-lt"/>
             </a:endParaRPr>
           </a:p>
         </p:txBody>
@@ -4552,7 +4562,7 @@
         <p:spPr>
           <a:xfrm>
             <a:off x="0" y="5071885"/>
-            <a:ext cx="12192000" cy="707886"/>
+            <a:ext cx="12192000" cy="646331"/>
           </a:xfrm>
           <a:prstGeom prst="rect">
             <a:avLst/>
@@ -4567,17 +4577,19 @@
           <a:p>
             <a:pPr algn="ctr"/>
             <a:r>
-              <a:rPr lang="en-US" sz="4000" b="1" dirty="0">
+              <a:rPr lang="en-US" sz="3600" b="1" dirty="0">
                 <a:solidFill>
                   <a:srgbClr val="660033"/>
                 </a:solidFill>
+                <a:latin typeface="+mn-lt"/>
               </a:rPr>
               <a:t>( 4 / 4 )</a:t>
             </a:r>
-            <a:endParaRPr lang="vi-VN" sz="4000" b="1" dirty="0">
+            <a:endParaRPr lang="vi-VN" sz="3600" b="1" dirty="0">
               <a:solidFill>
                 <a:srgbClr val="660033"/>
               </a:solidFill>
+              <a:latin typeface="+mn-lt"/>
             </a:endParaRPr>
           </a:p>
         </p:txBody>
@@ -4861,7 +4873,7 @@
         <p:spPr>
           <a:xfrm>
             <a:off x="0" y="5071885"/>
-            <a:ext cx="12192000" cy="707886"/>
+            <a:ext cx="12192000" cy="646331"/>
           </a:xfrm>
           <a:prstGeom prst="rect">
             <a:avLst/>
@@ -4876,33 +4888,37 @@
           <a:p>
             <a:pPr algn="ctr"/>
             <a:r>
-              <a:rPr lang="en-US" sz="4000" b="1" dirty="0">
+              <a:rPr lang="en-US" sz="3600" b="1" dirty="0">
                 <a:solidFill>
                   <a:srgbClr val="660033"/>
                 </a:solidFill>
+                <a:latin typeface="+mn-lt"/>
               </a:rPr>
               <a:t>( </a:t>
             </a:r>
             <a:r>
-              <a:rPr lang="en-US" sz="4000" b="1" dirty="0" smtClean="0">
+              <a:rPr lang="en-US" sz="3600" b="1" dirty="0" smtClean="0">
                 <a:solidFill>
                   <a:srgbClr val="660033"/>
                 </a:solidFill>
+                <a:latin typeface="+mn-lt"/>
               </a:rPr>
               <a:t>1 / 4 </a:t>
             </a:r>
             <a:r>
-              <a:rPr lang="en-US" sz="4000" b="1" dirty="0">
+              <a:rPr lang="en-US" sz="3600" b="1" dirty="0">
                 <a:solidFill>
                   <a:srgbClr val="660033"/>
                 </a:solidFill>
+                <a:latin typeface="+mn-lt"/>
               </a:rPr>
               <a:t>)</a:t>
             </a:r>
-            <a:endParaRPr lang="vi-VN" sz="4000" b="1" dirty="0">
+            <a:endParaRPr lang="vi-VN" sz="3600" b="1" dirty="0">
               <a:solidFill>
                 <a:srgbClr val="660033"/>
               </a:solidFill>
+              <a:latin typeface="+mn-lt"/>
             </a:endParaRPr>
           </a:p>
         </p:txBody>
@@ -5006,7 +5022,7 @@
         <p:spPr>
           <a:xfrm>
             <a:off x="0" y="5071885"/>
-            <a:ext cx="12192000" cy="707886"/>
+            <a:ext cx="12192000" cy="646331"/>
           </a:xfrm>
           <a:prstGeom prst="rect">
             <a:avLst/>
@@ -5021,17 +5037,19 @@
           <a:p>
             <a:pPr algn="ctr"/>
             <a:r>
-              <a:rPr lang="en-US" sz="4000" b="1" dirty="0">
+              <a:rPr lang="en-US" sz="3600" b="1" dirty="0">
                 <a:solidFill>
                   <a:srgbClr val="660033"/>
                 </a:solidFill>
+                <a:latin typeface="+mn-lt"/>
               </a:rPr>
               <a:t>( 1 / 4 )</a:t>
             </a:r>
-            <a:endParaRPr lang="vi-VN" sz="4000" b="1" dirty="0">
+            <a:endParaRPr lang="vi-VN" sz="3600" b="1" dirty="0">
               <a:solidFill>
                 <a:srgbClr val="660033"/>
               </a:solidFill>
+              <a:latin typeface="+mn-lt"/>
             </a:endParaRPr>
           </a:p>
         </p:txBody>
@@ -5315,7 +5333,7 @@
         <p:spPr>
           <a:xfrm>
             <a:off x="0" y="5071885"/>
-            <a:ext cx="12192000" cy="707886"/>
+            <a:ext cx="12192000" cy="646331"/>
           </a:xfrm>
           <a:prstGeom prst="rect">
             <a:avLst/>
@@ -5330,33 +5348,37 @@
           <a:p>
             <a:pPr algn="ctr"/>
             <a:r>
-              <a:rPr lang="en-US" sz="4000" b="1" dirty="0">
+              <a:rPr lang="en-US" sz="3600" b="1" dirty="0">
                 <a:solidFill>
                   <a:srgbClr val="660033"/>
                 </a:solidFill>
+                <a:latin typeface="+mn-lt"/>
               </a:rPr>
               <a:t>( </a:t>
             </a:r>
             <a:r>
-              <a:rPr lang="en-US" sz="4000" b="1" dirty="0" smtClean="0">
+              <a:rPr lang="en-US" sz="3600" b="1" dirty="0">
                 <a:solidFill>
                   <a:srgbClr val="660033"/>
                 </a:solidFill>
+                <a:latin typeface="+mn-lt"/>
               </a:rPr>
               <a:t>2 </a:t>
             </a:r>
             <a:r>
-              <a:rPr lang="en-US" sz="4000" b="1" dirty="0">
+              <a:rPr lang="en-US" sz="3600" b="1" dirty="0">
                 <a:solidFill>
                   <a:srgbClr val="660033"/>
                 </a:solidFill>
+                <a:latin typeface="+mn-lt"/>
               </a:rPr>
               <a:t>/ 4 )</a:t>
             </a:r>
-            <a:endParaRPr lang="vi-VN" sz="4000" b="1" dirty="0">
+            <a:endParaRPr lang="vi-VN" sz="3600" b="1" dirty="0">
               <a:solidFill>
                 <a:srgbClr val="660033"/>
               </a:solidFill>
+              <a:latin typeface="+mn-lt"/>
             </a:endParaRPr>
           </a:p>
         </p:txBody>
@@ -5460,7 +5482,7 @@
         <p:spPr>
           <a:xfrm>
             <a:off x="0" y="5071885"/>
-            <a:ext cx="12192000" cy="707886"/>
+            <a:ext cx="12192000" cy="646331"/>
           </a:xfrm>
           <a:prstGeom prst="rect">
             <a:avLst/>
@@ -5475,17 +5497,19 @@
           <a:p>
             <a:pPr algn="ctr"/>
             <a:r>
-              <a:rPr lang="en-US" sz="4000" b="1" dirty="0">
+              <a:rPr lang="en-US" sz="3600" b="1" dirty="0">
                 <a:solidFill>
                   <a:srgbClr val="660033"/>
                 </a:solidFill>
+                <a:latin typeface="+mn-lt"/>
               </a:rPr>
               <a:t>( 2 / 4 )</a:t>
             </a:r>
-            <a:endParaRPr lang="vi-VN" sz="4000" b="1" dirty="0">
+            <a:endParaRPr lang="vi-VN" sz="3600" b="1" dirty="0">
               <a:solidFill>
                 <a:srgbClr val="660033"/>
               </a:solidFill>
+              <a:latin typeface="+mn-lt"/>
             </a:endParaRPr>
           </a:p>
         </p:txBody>
